--- a/Python/Python 시작하기.pptx
+++ b/Python/Python 시작하기.pptx
@@ -5,21 +5,20 @@
     <p:sldMasterId id="2147483659" r:id="rId1"/>
   </p:sldMasterIdLst>
   <p:notesMasterIdLst>
-    <p:notesMasterId r:id="rId11"/>
+    <p:notesMasterId r:id="rId10"/>
   </p:notesMasterIdLst>
   <p:handoutMasterIdLst>
-    <p:handoutMasterId r:id="rId12"/>
+    <p:handoutMasterId r:id="rId11"/>
   </p:handoutMasterIdLst>
   <p:sldIdLst>
     <p:sldId id="615" r:id="rId2"/>
-    <p:sldId id="1133" r:id="rId3"/>
-    <p:sldId id="1128" r:id="rId4"/>
-    <p:sldId id="1137" r:id="rId5"/>
-    <p:sldId id="1136" r:id="rId6"/>
-    <p:sldId id="1129" r:id="rId7"/>
-    <p:sldId id="1130" r:id="rId8"/>
-    <p:sldId id="1134" r:id="rId9"/>
-    <p:sldId id="1131" r:id="rId10"/>
+    <p:sldId id="1138" r:id="rId3"/>
+    <p:sldId id="1139" r:id="rId4"/>
+    <p:sldId id="1141" r:id="rId5"/>
+    <p:sldId id="1128" r:id="rId6"/>
+    <p:sldId id="1137" r:id="rId7"/>
+    <p:sldId id="1140" r:id="rId8"/>
+    <p:sldId id="1142" r:id="rId9"/>
   </p:sldIdLst>
   <p:sldSz cx="9144000" cy="6858000" type="screen4x3"/>
   <p:notesSz cx="6865938" cy="9998075"/>
@@ -252,7 +251,7 @@
           <a:p>
             <a:fld id="{0701E38F-D71B-4628-B377-F26FA834EB07}" type="datetimeFigureOut">
               <a:rPr lang="ko-KR" altLang="en-US" smtClean="0"/>
-              <a:t>2020-12-17</a:t>
+              <a:t>2023-03-22</a:t>
             </a:fld>
             <a:endParaRPr lang="ko-KR" altLang="en-US"/>
           </a:p>
@@ -418,7 +417,7 @@
             <a:fld id="{BC75A1C1-99F9-4ED1-B968-97F8F766565C}" type="datetimeFigureOut">
               <a:rPr lang="ko-KR" altLang="en-US" smtClean="0"/>
               <a:pPr/>
-              <a:t>2020-12-17</a:t>
+              <a:t>2023-03-22</a:t>
             </a:fld>
             <a:endParaRPr lang="ko-KR" altLang="en-US"/>
           </a:p>
@@ -2587,7 +2586,16 @@
                 </a:solidFill>
                 <a:latin typeface="+mn-ea"/>
               </a:rPr>
-              <a:t>설치 확인</a:t>
+              <a:t>설치 확인 </a:t>
+            </a:r>
+            <a:r>
+              <a:rPr lang="en-US" altLang="ko-KR" sz="2000" dirty="0" smtClean="0">
+                <a:solidFill>
+                  <a:srgbClr val="0000FF"/>
+                </a:solidFill>
+                <a:latin typeface="+mn-ea"/>
+              </a:rPr>
+              <a:t>(python-3.10.10-amd64)</a:t>
             </a:r>
             <a:endParaRPr lang="en-US" altLang="ko-KR" sz="2000" dirty="0">
               <a:solidFill>
@@ -2605,88 +2613,83 @@
               <a:buChar char="•"/>
             </a:pPr>
             <a:r>
-              <a:rPr lang="en-US" altLang="ko-KR" sz="1600" dirty="0">
+              <a:rPr lang="en-US" altLang="ko-KR" sz="1600" dirty="0" smtClean="0">
                 <a:solidFill>
                   <a:schemeClr val="tx1"/>
                 </a:solidFill>
               </a:rPr>
-              <a:t>python3 --version</a:t>
-            </a:r>
-          </a:p>
-          <a:p>
-            <a:pPr marL="742950" lvl="1" indent="-285750" latinLnBrk="0">
-              <a:lnSpc>
-                <a:spcPct val="150000"/>
-              </a:lnSpc>
-              <a:buFont typeface="Arial" panose="020B0604020202020204" pitchFamily="34" charset="0"/>
-              <a:buChar char="•"/>
-            </a:pPr>
-            <a:r>
-              <a:rPr lang="en-US" altLang="ko-KR" sz="1600" dirty="0">
-                <a:solidFill>
-                  <a:schemeClr val="tx1"/>
-                </a:solidFill>
-              </a:rPr>
-              <a:t>pip3 </a:t>
-            </a:r>
-            <a:r>
-              <a:rPr lang="en-US" altLang="ko-KR" sz="1600" dirty="0" smtClean="0">
-                <a:solidFill>
-                  <a:schemeClr val="tx1"/>
-                </a:solidFill>
-              </a:rPr>
-              <a:t>–version</a:t>
-            </a:r>
-          </a:p>
-          <a:p>
-            <a:pPr marL="742950" lvl="1" indent="-285750" latinLnBrk="0">
-              <a:lnSpc>
-                <a:spcPct val="150000"/>
-              </a:lnSpc>
-              <a:buFont typeface="Arial" panose="020B0604020202020204" pitchFamily="34" charset="0"/>
-              <a:buChar char="•"/>
-            </a:pPr>
-            <a:r>
-              <a:rPr lang="en-US" altLang="ko-KR" sz="1600" dirty="0">
-                <a:solidFill>
-                  <a:srgbClr val="00B050"/>
-                </a:solidFill>
-              </a:rPr>
-              <a:t>pip install --upgrade pip</a:t>
-            </a:r>
-          </a:p>
-          <a:p>
-            <a:pPr marL="742950" lvl="1" indent="-285750" latinLnBrk="0">
-              <a:lnSpc>
-                <a:spcPct val="150000"/>
-              </a:lnSpc>
-              <a:buFont typeface="Arial" panose="020B0604020202020204" pitchFamily="34" charset="0"/>
-              <a:buChar char="•"/>
-            </a:pPr>
-            <a:r>
-              <a:rPr lang="en-US" altLang="ko-KR" sz="1600" dirty="0" err="1">
-                <a:solidFill>
-                  <a:schemeClr val="tx1"/>
-                </a:solidFill>
-              </a:rPr>
-              <a:t>virtualenv</a:t>
-            </a:r>
-            <a:r>
-              <a:rPr lang="en-US" altLang="ko-KR" sz="1600" dirty="0">
-                <a:solidFill>
-                  <a:schemeClr val="tx1"/>
-                </a:solidFill>
-              </a:rPr>
-              <a:t> --version</a:t>
-            </a:r>
-            <a:endParaRPr lang="en-US" altLang="ko-KR" sz="1600" dirty="0" smtClean="0">
+              <a:t>python -V</a:t>
+            </a:r>
+            <a:endParaRPr lang="en-US" altLang="ko-KR" sz="1600" dirty="0">
               <a:solidFill>
                 <a:schemeClr val="tx1"/>
               </a:solidFill>
             </a:endParaRPr>
           </a:p>
           <a:p>
-            <a:pPr marL="800100" lvl="1" indent="-342900">
+            <a:pPr marL="742950" lvl="1" indent="-285750" latinLnBrk="0">
+              <a:lnSpc>
+                <a:spcPct val="150000"/>
+              </a:lnSpc>
+              <a:buFont typeface="Arial" panose="020B0604020202020204" pitchFamily="34" charset="0"/>
+              <a:buChar char="•"/>
+            </a:pPr>
+            <a:r>
+              <a:rPr lang="en-US" altLang="ko-KR" sz="1600" dirty="0" smtClean="0">
+                <a:solidFill>
+                  <a:schemeClr val="tx1"/>
+                </a:solidFill>
+              </a:rPr>
+              <a:t>pip -V</a:t>
+            </a:r>
+          </a:p>
+          <a:p>
+            <a:pPr marL="742950" lvl="1" indent="-285750" latinLnBrk="0">
+              <a:lnSpc>
+                <a:spcPct val="150000"/>
+              </a:lnSpc>
+              <a:buFont typeface="Arial" panose="020B0604020202020204" pitchFamily="34" charset="0"/>
+              <a:buChar char="•"/>
+            </a:pPr>
+            <a:r>
+              <a:rPr lang="en-US" altLang="ko-KR" sz="1600" dirty="0" smtClean="0">
+                <a:solidFill>
+                  <a:schemeClr val="tx1"/>
+                </a:solidFill>
+              </a:rPr>
+              <a:t>python</a:t>
+            </a:r>
+          </a:p>
+          <a:p>
+            <a:pPr marL="742950" lvl="1" indent="-285750" latinLnBrk="0">
+              <a:lnSpc>
+                <a:spcPct val="150000"/>
+              </a:lnSpc>
+              <a:buFont typeface="Arial" panose="020B0604020202020204" pitchFamily="34" charset="0"/>
+              <a:buChar char="•"/>
+            </a:pPr>
+            <a:r>
+              <a:rPr lang="en-US" altLang="ko-KR" sz="1600" dirty="0" err="1">
+                <a:solidFill>
+                  <a:schemeClr val="tx1"/>
+                </a:solidFill>
+              </a:rPr>
+              <a:t>ctrl+z</a:t>
+            </a:r>
+            <a:r>
+              <a:rPr lang="en-US" altLang="ko-KR" sz="1600" dirty="0">
+                <a:solidFill>
+                  <a:schemeClr val="tx1"/>
+                </a:solidFill>
+              </a:rPr>
+              <a:t> (Exit)</a:t>
+            </a:r>
+          </a:p>
+          <a:p>
+            <a:pPr marL="742950" lvl="1" indent="-285750" latinLnBrk="0">
+              <a:lnSpc>
+                <a:spcPct val="150000"/>
+              </a:lnSpc>
               <a:buFont typeface="Arial" panose="020B0604020202020204" pitchFamily="34" charset="0"/>
               <a:buChar char="•"/>
             </a:pPr>
@@ -2698,6 +2701,21 @@
             </a:endParaRPr>
           </a:p>
           <a:p>
+            <a:pPr marL="742950" lvl="1" indent="-285750" latinLnBrk="0">
+              <a:lnSpc>
+                <a:spcPct val="150000"/>
+              </a:lnSpc>
+              <a:buFont typeface="Arial" panose="020B0604020202020204" pitchFamily="34" charset="0"/>
+              <a:buChar char="•"/>
+            </a:pPr>
+            <a:endParaRPr kumimoji="0" lang="en-US" altLang="ko-KR" sz="1200" dirty="0" smtClean="0">
+              <a:solidFill>
+                <a:schemeClr val="tx1"/>
+              </a:solidFill>
+              <a:latin typeface="+mn-ea"/>
+            </a:endParaRPr>
+          </a:p>
+          <a:p>
             <a:pPr marL="285750" indent="-285750">
               <a:lnSpc>
                 <a:spcPct val="150000"/>
@@ -2706,22 +2724,13 @@
               <a:buChar char="Ø"/>
             </a:pPr>
             <a:r>
-              <a:rPr lang="en-US" altLang="ko-KR" sz="2000" dirty="0" smtClean="0">
+              <a:rPr lang="ko-KR" altLang="en-US" sz="2000" dirty="0" smtClean="0">
                 <a:solidFill>
                   <a:srgbClr val="0000FF"/>
                 </a:solidFill>
                 <a:latin typeface="+mn-ea"/>
               </a:rPr>
-              <a:t>PIP </a:t>
-            </a:r>
-            <a:r>
-              <a:rPr lang="ko-KR" altLang="en-US" sz="2000" dirty="0" smtClean="0">
-                <a:solidFill>
-                  <a:srgbClr val="0000FF"/>
-                </a:solidFill>
-                <a:latin typeface="+mn-ea"/>
-              </a:rPr>
-              <a:t>명령어</a:t>
+              <a:t>실행</a:t>
             </a:r>
             <a:endParaRPr lang="en-US" altLang="ko-KR" sz="2000" dirty="0">
               <a:solidFill>
@@ -2739,95 +2748,24 @@
               <a:buChar char="•"/>
             </a:pPr>
             <a:r>
-              <a:rPr lang="ko-KR" altLang="en-US" sz="1600" dirty="0" smtClean="0">
-                <a:solidFill>
-                  <a:srgbClr val="FF0000"/>
-                </a:solidFill>
-              </a:rPr>
-              <a:t>전역 설치 </a:t>
+              <a:rPr lang="en-US" altLang="ko-KR" sz="1600" dirty="0">
+                <a:solidFill>
+                  <a:schemeClr val="tx1"/>
+                </a:solidFill>
+              </a:rPr>
+              <a:t>python </a:t>
             </a:r>
             <a:r>
               <a:rPr lang="en-US" altLang="ko-KR" sz="1600" dirty="0" smtClean="0">
                 <a:solidFill>
-                  <a:srgbClr val="FF0000"/>
-                </a:solidFill>
-              </a:rPr>
-              <a:t>: pip3 install xxx</a:t>
+                  <a:schemeClr val="tx1"/>
+                </a:solidFill>
+              </a:rPr>
+              <a:t>app.py</a:t>
             </a:r>
             <a:endParaRPr lang="en-US" altLang="ko-KR" sz="1600" dirty="0">
               <a:solidFill>
-                <a:srgbClr val="FF0000"/>
-              </a:solidFill>
-            </a:endParaRPr>
-          </a:p>
-          <a:p>
-            <a:pPr marL="742950" lvl="1" indent="-285750" latinLnBrk="0">
-              <a:lnSpc>
-                <a:spcPct val="150000"/>
-              </a:lnSpc>
-              <a:buFont typeface="Arial" panose="020B0604020202020204" pitchFamily="34" charset="0"/>
-              <a:buChar char="•"/>
-            </a:pPr>
-            <a:r>
-              <a:rPr lang="ko-KR" altLang="en-US" sz="1600" dirty="0" smtClean="0">
-                <a:solidFill>
-                  <a:srgbClr val="FF0000"/>
-                </a:solidFill>
-              </a:rPr>
-              <a:t>로컬 설치 </a:t>
-            </a:r>
-            <a:r>
-              <a:rPr lang="en-US" altLang="ko-KR" sz="1600" dirty="0" smtClean="0">
-                <a:solidFill>
-                  <a:srgbClr val="FF0000"/>
-                </a:solidFill>
-              </a:rPr>
-              <a:t>: pip install xxx or </a:t>
-            </a:r>
-            <a:r>
-              <a:rPr lang="en-US" altLang="ko-KR" sz="1600" dirty="0" err="1" smtClean="0">
-                <a:solidFill>
-                  <a:srgbClr val="FF0000"/>
-                </a:solidFill>
-              </a:rPr>
-              <a:t>conda</a:t>
-            </a:r>
-            <a:r>
-              <a:rPr lang="en-US" altLang="ko-KR" sz="1600" dirty="0" smtClean="0">
-                <a:solidFill>
-                  <a:srgbClr val="FF0000"/>
-                </a:solidFill>
-              </a:rPr>
-              <a:t> install xxx</a:t>
-            </a:r>
-          </a:p>
-          <a:p>
-            <a:pPr marL="742950" lvl="1" indent="-285750" latinLnBrk="0">
-              <a:lnSpc>
-                <a:spcPct val="150000"/>
-              </a:lnSpc>
-              <a:buFont typeface="Arial" panose="020B0604020202020204" pitchFamily="34" charset="0"/>
-              <a:buChar char="•"/>
-            </a:pPr>
-            <a:r>
-              <a:rPr lang="ko-KR" altLang="en-US" sz="1600" dirty="0" smtClean="0">
-                <a:solidFill>
-                  <a:srgbClr val="FF0000"/>
-                </a:solidFill>
-              </a:rPr>
-              <a:t>삭제 </a:t>
-            </a:r>
-            <a:r>
-              <a:rPr lang="en-US" altLang="ko-KR" sz="1600" dirty="0" smtClean="0">
-                <a:solidFill>
-                  <a:srgbClr val="FF0000"/>
-                </a:solidFill>
-              </a:rPr>
-              <a:t>: pip uninstall xxx</a:t>
-            </a:r>
-            <a:endParaRPr lang="en-US" altLang="ko-KR" sz="1600" dirty="0">
-              <a:solidFill>
-                <a:srgbClr val="FF0000"/>
+                <a:schemeClr val="tx1"/>
               </a:solidFill>
             </a:endParaRPr>
           </a:p>
@@ -2857,7 +2795,7 @@
     </p:spTree>
     <p:extLst>
       <p:ext uri="{BB962C8B-B14F-4D97-AF65-F5344CB8AC3E}">
-        <p14:creationId xmlns:p14="http://schemas.microsoft.com/office/powerpoint/2010/main" val="1607990509"/>
+        <p14:creationId xmlns:p14="http://schemas.microsoft.com/office/powerpoint/2010/main" val="2565376911"/>
       </p:ext>
     </p:extLst>
   </p:cSld>
@@ -2918,14 +2856,14 @@
                 <a:latin typeface="HY헤드라인M" pitchFamily="18" charset="-127"/>
                 <a:ea typeface="HY헤드라인M" pitchFamily="18" charset="-127"/>
               </a:rPr>
-              <a:t>VS Code IDE </a:t>
+              <a:t>Python </a:t>
             </a:r>
             <a:r>
               <a:rPr lang="ko-KR" altLang="en-US" sz="2400" dirty="0" smtClean="0">
                 <a:latin typeface="HY헤드라인M" pitchFamily="18" charset="-127"/>
                 <a:ea typeface="HY헤드라인M" pitchFamily="18" charset="-127"/>
               </a:rPr>
-              <a:t>설정</a:t>
+              <a:t>개발 환경 구축</a:t>
             </a:r>
             <a:endParaRPr lang="ko-KR" altLang="en-US" sz="2400" dirty="0">
               <a:latin typeface="HY헤드라인M" pitchFamily="18" charset="-127"/>
@@ -3008,165 +2946,24 @@
               <a:buChar char="Ø"/>
             </a:pPr>
             <a:r>
-              <a:rPr lang="en-US" altLang="ko-KR" sz="2000" dirty="0">
+              <a:rPr lang="en-US" altLang="ko-KR" sz="2000" dirty="0" smtClean="0">
                 <a:solidFill>
                   <a:srgbClr val="0000FF"/>
                 </a:solidFill>
                 <a:latin typeface="+mn-ea"/>
               </a:rPr>
-              <a:t>VS Code Extensions</a:t>
-            </a:r>
-          </a:p>
-          <a:p>
-            <a:pPr marL="742950" lvl="1" indent="-285750" latinLnBrk="0">
-              <a:lnSpc>
-                <a:spcPct val="150000"/>
-              </a:lnSpc>
-              <a:buFont typeface="Arial" panose="020B0604020202020204" pitchFamily="34" charset="0"/>
-              <a:buChar char="•"/>
-            </a:pPr>
-            <a:r>
-              <a:rPr lang="en-US" altLang="ko-KR" sz="1600" dirty="0" smtClean="0">
-                <a:solidFill>
-                  <a:schemeClr val="tx1"/>
-                </a:solidFill>
-              </a:rPr>
-              <a:t>Python </a:t>
-            </a:r>
-            <a:r>
-              <a:rPr lang="ko-KR" altLang="en-US" sz="1600" dirty="0" smtClean="0">
-                <a:solidFill>
-                  <a:schemeClr val="tx1"/>
-                </a:solidFill>
-              </a:rPr>
-              <a:t>설치</a:t>
-            </a:r>
-            <a:endParaRPr lang="en-US" altLang="ko-KR" sz="1600" dirty="0" smtClean="0">
-              <a:solidFill>
-                <a:schemeClr val="tx1"/>
-              </a:solidFill>
-            </a:endParaRPr>
-          </a:p>
-          <a:p>
-            <a:pPr marL="742950" lvl="1" indent="-285750" latinLnBrk="0">
-              <a:lnSpc>
-                <a:spcPct val="150000"/>
-              </a:lnSpc>
-              <a:buFont typeface="Arial" panose="020B0604020202020204" pitchFamily="34" charset="0"/>
-              <a:buChar char="•"/>
-            </a:pPr>
-            <a:r>
-              <a:rPr lang="en-US" altLang="ko-KR" sz="1600" dirty="0" smtClean="0">
-                <a:solidFill>
-                  <a:schemeClr val="tx1"/>
-                </a:solidFill>
-              </a:rPr>
-              <a:t>Python for </a:t>
-            </a:r>
-            <a:r>
-              <a:rPr lang="en-US" altLang="ko-KR" sz="1600" dirty="0" err="1" smtClean="0">
-                <a:solidFill>
-                  <a:schemeClr val="tx1"/>
-                </a:solidFill>
-              </a:rPr>
-              <a:t>VSCode</a:t>
-            </a:r>
-            <a:endParaRPr lang="en-US" altLang="ko-KR" sz="1600" dirty="0" smtClean="0">
-              <a:solidFill>
-                <a:schemeClr val="tx1"/>
-              </a:solidFill>
-            </a:endParaRPr>
-          </a:p>
-          <a:p>
-            <a:pPr marL="742950" lvl="1" indent="-285750" latinLnBrk="0">
-              <a:lnSpc>
-                <a:spcPct val="150000"/>
-              </a:lnSpc>
-              <a:buFont typeface="Arial" panose="020B0604020202020204" pitchFamily="34" charset="0"/>
-              <a:buChar char="•"/>
-            </a:pPr>
-            <a:r>
-              <a:rPr lang="en-US" altLang="ko-KR" sz="1600" dirty="0" smtClean="0">
-                <a:solidFill>
-                  <a:schemeClr val="tx1"/>
-                </a:solidFill>
-              </a:rPr>
-              <a:t>Python Extension Pack</a:t>
-            </a:r>
-          </a:p>
-          <a:p>
-            <a:pPr marL="742950" lvl="1" indent="-285750" latinLnBrk="0">
-              <a:lnSpc>
-                <a:spcPct val="150000"/>
-              </a:lnSpc>
-              <a:buFont typeface="Arial" panose="020B0604020202020204" pitchFamily="34" charset="0"/>
-              <a:buChar char="•"/>
-            </a:pPr>
-            <a:r>
-              <a:rPr lang="en-US" altLang="ko-KR" sz="1600" dirty="0" smtClean="0">
-                <a:solidFill>
-                  <a:schemeClr val="tx1"/>
-                </a:solidFill>
-              </a:rPr>
-              <a:t>Python Extended</a:t>
-            </a:r>
-          </a:p>
-          <a:p>
-            <a:pPr marL="742950" lvl="1" indent="-285750" latinLnBrk="0">
-              <a:lnSpc>
-                <a:spcPct val="150000"/>
-              </a:lnSpc>
-              <a:buFont typeface="Arial" panose="020B0604020202020204" pitchFamily="34" charset="0"/>
-              <a:buChar char="•"/>
-            </a:pPr>
-            <a:r>
-              <a:rPr lang="en-US" altLang="ko-KR" sz="1600" dirty="0" smtClean="0">
-                <a:solidFill>
-                  <a:schemeClr val="tx1"/>
-                </a:solidFill>
-              </a:rPr>
-              <a:t>Python Path</a:t>
-            </a:r>
-          </a:p>
-          <a:p>
-            <a:pPr marL="742950" lvl="1" indent="-285750" latinLnBrk="0">
-              <a:lnSpc>
-                <a:spcPct val="150000"/>
-              </a:lnSpc>
-              <a:buFont typeface="Arial" panose="020B0604020202020204" pitchFamily="34" charset="0"/>
-              <a:buChar char="•"/>
-            </a:pPr>
-            <a:r>
-              <a:rPr lang="en-US" altLang="ko-KR" sz="1600" dirty="0" smtClean="0">
-                <a:solidFill>
-                  <a:schemeClr val="tx1"/>
-                </a:solidFill>
-              </a:rPr>
-              <a:t>Excel Viewer – </a:t>
-            </a:r>
-            <a:r>
-              <a:rPr lang="en-US" altLang="ko-KR" sz="1600" dirty="0" smtClean="0">
-                <a:solidFill>
-                  <a:srgbClr val="00B0F0"/>
-                </a:solidFill>
-              </a:rPr>
-              <a:t>Open Preview (ctrl + shift + V)</a:t>
-            </a:r>
-            <a:endParaRPr lang="en-US" altLang="ko-KR" sz="1600" dirty="0">
-              <a:solidFill>
-                <a:srgbClr val="00B0F0"/>
-              </a:solidFill>
-            </a:endParaRPr>
-          </a:p>
-          <a:p>
-            <a:pPr marL="285750" indent="-285750">
-              <a:lnSpc>
-                <a:spcPct val="150000"/>
-              </a:lnSpc>
-              <a:buFont typeface="Wingdings" panose="05000000000000000000" pitchFamily="2" charset="2"/>
-              <a:buChar char="Ø"/>
-            </a:pPr>
-            <a:endParaRPr lang="en-US" altLang="ko-KR" sz="2000" dirty="0" smtClean="0">
+              <a:t>PIP </a:t>
+            </a:r>
+            <a:r>
+              <a:rPr lang="ko-KR" altLang="en-US" sz="2000" dirty="0" smtClean="0">
+                <a:solidFill>
+                  <a:srgbClr val="0000FF"/>
+                </a:solidFill>
+                <a:latin typeface="+mn-ea"/>
+              </a:rPr>
+              <a:t>명령어</a:t>
+            </a:r>
+            <a:endParaRPr lang="en-US" altLang="ko-KR" sz="2000" dirty="0">
               <a:solidFill>
                 <a:srgbClr val="0000FF"/>
               </a:solidFill>
@@ -3174,10 +2971,172 @@
             </a:endParaRPr>
           </a:p>
           <a:p>
-            <a:pPr marL="800100" lvl="1" indent="-342900">
+            <a:pPr marL="742950" lvl="1" indent="-285750" latinLnBrk="0">
+              <a:lnSpc>
+                <a:spcPct val="150000"/>
+              </a:lnSpc>
               <a:buFont typeface="Arial" panose="020B0604020202020204" pitchFamily="34" charset="0"/>
               <a:buChar char="•"/>
             </a:pPr>
+            <a:r>
+              <a:rPr lang="en-US" altLang="ko-KR" sz="1600" dirty="0" smtClean="0">
+                <a:solidFill>
+                  <a:srgbClr val="00B050"/>
+                </a:solidFill>
+                <a:latin typeface="+mn-ea"/>
+              </a:rPr>
+              <a:t>python.exe </a:t>
+            </a:r>
+            <a:r>
+              <a:rPr lang="en-US" altLang="ko-KR" sz="1600" dirty="0">
+                <a:solidFill>
+                  <a:srgbClr val="00B050"/>
+                </a:solidFill>
+                <a:latin typeface="+mn-ea"/>
+              </a:rPr>
+              <a:t>-m pip install --upgrade </a:t>
+            </a:r>
+            <a:r>
+              <a:rPr lang="en-US" altLang="ko-KR" sz="1600" dirty="0" smtClean="0">
+                <a:solidFill>
+                  <a:srgbClr val="00B050"/>
+                </a:solidFill>
+                <a:latin typeface="+mn-ea"/>
+              </a:rPr>
+              <a:t>pip</a:t>
+            </a:r>
+          </a:p>
+          <a:p>
+            <a:pPr marL="742950" lvl="1" indent="-285750" latinLnBrk="0">
+              <a:lnSpc>
+                <a:spcPct val="150000"/>
+              </a:lnSpc>
+              <a:buFont typeface="Arial" panose="020B0604020202020204" pitchFamily="34" charset="0"/>
+              <a:buChar char="•"/>
+            </a:pPr>
+            <a:r>
+              <a:rPr lang="en-US" altLang="ko-KR" sz="1600" dirty="0" smtClean="0">
+                <a:solidFill>
+                  <a:srgbClr val="00B050"/>
+                </a:solidFill>
+                <a:latin typeface="+mn-ea"/>
+              </a:rPr>
+              <a:t>pip -V</a:t>
+            </a:r>
+          </a:p>
+          <a:p>
+            <a:pPr marL="742950" lvl="1" indent="-285750" latinLnBrk="0">
+              <a:lnSpc>
+                <a:spcPct val="150000"/>
+              </a:lnSpc>
+              <a:buFont typeface="Arial" panose="020B0604020202020204" pitchFamily="34" charset="0"/>
+              <a:buChar char="•"/>
+            </a:pPr>
+            <a:r>
+              <a:rPr lang="ko-KR" altLang="en-US" sz="1600" dirty="0" smtClean="0">
+                <a:solidFill>
+                  <a:srgbClr val="FF0000"/>
+                </a:solidFill>
+                <a:latin typeface="+mn-ea"/>
+              </a:rPr>
+              <a:t>전역 설치 </a:t>
+            </a:r>
+            <a:r>
+              <a:rPr lang="en-US" altLang="ko-KR" sz="1600" dirty="0" smtClean="0">
+                <a:solidFill>
+                  <a:srgbClr val="FF0000"/>
+                </a:solidFill>
+                <a:latin typeface="+mn-ea"/>
+              </a:rPr>
+              <a:t>: pip3 install xxx</a:t>
+            </a:r>
+            <a:endParaRPr lang="en-US" altLang="ko-KR" sz="1600" dirty="0">
+              <a:solidFill>
+                <a:srgbClr val="FF0000"/>
+              </a:solidFill>
+              <a:latin typeface="+mn-ea"/>
+            </a:endParaRPr>
+          </a:p>
+          <a:p>
+            <a:pPr marL="742950" lvl="1" indent="-285750" latinLnBrk="0">
+              <a:lnSpc>
+                <a:spcPct val="150000"/>
+              </a:lnSpc>
+              <a:buFont typeface="Arial" panose="020B0604020202020204" pitchFamily="34" charset="0"/>
+              <a:buChar char="•"/>
+            </a:pPr>
+            <a:r>
+              <a:rPr lang="ko-KR" altLang="en-US" sz="1600" dirty="0" smtClean="0">
+                <a:solidFill>
+                  <a:srgbClr val="FF0000"/>
+                </a:solidFill>
+                <a:latin typeface="+mn-ea"/>
+              </a:rPr>
+              <a:t>로컬 설치 </a:t>
+            </a:r>
+            <a:r>
+              <a:rPr lang="en-US" altLang="ko-KR" sz="1600" dirty="0" smtClean="0">
+                <a:solidFill>
+                  <a:srgbClr val="FF0000"/>
+                </a:solidFill>
+                <a:latin typeface="+mn-ea"/>
+              </a:rPr>
+              <a:t>: pip install xxx or </a:t>
+            </a:r>
+            <a:r>
+              <a:rPr lang="en-US" altLang="ko-KR" sz="1600" dirty="0" err="1" smtClean="0">
+                <a:solidFill>
+                  <a:srgbClr val="FF0000"/>
+                </a:solidFill>
+                <a:latin typeface="+mn-ea"/>
+              </a:rPr>
+              <a:t>conda</a:t>
+            </a:r>
+            <a:r>
+              <a:rPr lang="en-US" altLang="ko-KR" sz="1600" dirty="0" smtClean="0">
+                <a:solidFill>
+                  <a:srgbClr val="FF0000"/>
+                </a:solidFill>
+                <a:latin typeface="+mn-ea"/>
+              </a:rPr>
+              <a:t> install xxx</a:t>
+            </a:r>
+          </a:p>
+          <a:p>
+            <a:pPr marL="742950" lvl="1" indent="-285750" latinLnBrk="0">
+              <a:lnSpc>
+                <a:spcPct val="150000"/>
+              </a:lnSpc>
+              <a:buFont typeface="Arial" panose="020B0604020202020204" pitchFamily="34" charset="0"/>
+              <a:buChar char="•"/>
+            </a:pPr>
+            <a:r>
+              <a:rPr lang="ko-KR" altLang="en-US" sz="1600" dirty="0" smtClean="0">
+                <a:solidFill>
+                  <a:srgbClr val="FF0000"/>
+                </a:solidFill>
+                <a:latin typeface="+mn-ea"/>
+              </a:rPr>
+              <a:t>삭제 </a:t>
+            </a:r>
+            <a:r>
+              <a:rPr lang="en-US" altLang="ko-KR" sz="1600" dirty="0" smtClean="0">
+                <a:solidFill>
+                  <a:srgbClr val="FF0000"/>
+                </a:solidFill>
+                <a:latin typeface="+mn-ea"/>
+              </a:rPr>
+              <a:t>: pip uninstall xxx</a:t>
+            </a:r>
+            <a:endParaRPr lang="en-US" altLang="ko-KR" sz="1600" dirty="0">
+              <a:solidFill>
+                <a:srgbClr val="FF0000"/>
+              </a:solidFill>
+              <a:latin typeface="+mn-ea"/>
+            </a:endParaRPr>
+          </a:p>
+          <a:p>
+            <a:pPr lvl="1"/>
             <a:endParaRPr kumimoji="0" lang="en-US" altLang="ko-KR" sz="1000" dirty="0" smtClean="0">
               <a:solidFill>
                 <a:schemeClr val="tx1"/>
@@ -3185,12 +3144,24 @@
               <a:latin typeface="+mn-ea"/>
             </a:endParaRPr>
           </a:p>
+          <a:p>
+            <a:pPr marL="800100" lvl="1" indent="-342900">
+              <a:buFont typeface="Arial" panose="020B0604020202020204" pitchFamily="34" charset="0"/>
+              <a:buChar char="•"/>
+            </a:pPr>
+            <a:endParaRPr kumimoji="0" lang="en-US" altLang="ko-KR" sz="1000" dirty="0" smtClean="0">
+              <a:solidFill>
+                <a:schemeClr val="tx1"/>
+              </a:solidFill>
+              <a:latin typeface="+mn-ea"/>
+            </a:endParaRPr>
+          </a:p>
         </p:txBody>
       </p:sp>
     </p:spTree>
     <p:extLst>
       <p:ext uri="{BB962C8B-B14F-4D97-AF65-F5344CB8AC3E}">
-        <p14:creationId xmlns:p14="http://schemas.microsoft.com/office/powerpoint/2010/main" val="4212619403"/>
+        <p14:creationId xmlns:p14="http://schemas.microsoft.com/office/powerpoint/2010/main" val="4096600326"/>
       </p:ext>
     </p:extLst>
   </p:cSld>
@@ -3247,7 +3218,7 @@
           <a:lstStyle/>
           <a:p>
             <a:r>
-              <a:rPr lang="en-US" altLang="ko-KR" sz="2400" dirty="0" smtClean="0">
+              <a:rPr lang="en-US" altLang="ko-KR" sz="2400" dirty="0">
                 <a:latin typeface="HY헤드라인M" pitchFamily="18" charset="-127"/>
                 <a:ea typeface="HY헤드라인M" pitchFamily="18" charset="-127"/>
               </a:rPr>
@@ -3258,7 +3229,7 @@
                 <a:latin typeface="HY헤드라인M" pitchFamily="18" charset="-127"/>
                 <a:ea typeface="HY헤드라인M" pitchFamily="18" charset="-127"/>
               </a:rPr>
-              <a:t>개발 환경 구축</a:t>
+              <a:t>모듈</a:t>
             </a:r>
             <a:endParaRPr lang="ko-KR" altLang="en-US" sz="2400" dirty="0">
               <a:latin typeface="HY헤드라인M" pitchFamily="18" charset="-127"/>
@@ -3347,34 +3318,7 @@
                 </a:solidFill>
                 <a:latin typeface="+mn-ea"/>
               </a:rPr>
-              <a:t>기본</a:t>
-            </a:r>
-            <a:r>
-              <a:rPr lang="en-US" altLang="ko-KR" sz="2000" dirty="0" smtClean="0">
-                <a:solidFill>
-                  <a:srgbClr val="0000FF"/>
-                </a:solidFill>
-                <a:latin typeface="+mn-ea"/>
-              </a:rPr>
-              <a:t> </a:t>
-            </a:r>
-            <a:r>
-              <a:rPr lang="ko-KR" altLang="en-US" sz="2000" dirty="0" smtClean="0">
-                <a:solidFill>
-                  <a:srgbClr val="0000FF"/>
-                </a:solidFill>
-                <a:latin typeface="+mn-ea"/>
-              </a:rPr>
-              <a:t>코드 자동 </a:t>
-            </a:r>
-            <a:r>
-              <a:rPr lang="ko-KR" altLang="en-US" sz="2000" dirty="0">
-                <a:solidFill>
-                  <a:srgbClr val="0000FF"/>
-                </a:solidFill>
-                <a:latin typeface="+mn-ea"/>
-              </a:rPr>
-              <a:t>정렬</a:t>
+              <a:t>모듈 설치</a:t>
             </a:r>
             <a:endParaRPr lang="en-US" altLang="ko-KR" sz="2000" dirty="0">
               <a:solidFill>
@@ -3392,21 +3336,28 @@
               <a:buChar char="•"/>
             </a:pPr>
             <a:r>
-              <a:rPr lang="en-US" altLang="ko-KR" sz="1600" dirty="0"/>
-              <a:t>Ctrl + </a:t>
-            </a:r>
-            <a:r>
-              <a:rPr lang="en-US" altLang="ko-KR" sz="1600" dirty="0" smtClean="0"/>
-              <a:t>k </a:t>
-            </a:r>
-            <a:r>
-              <a:rPr lang="en-US" altLang="ko-KR" sz="1600" dirty="0"/>
-              <a:t>+ </a:t>
-            </a:r>
-            <a:r>
-              <a:rPr lang="en-US" altLang="ko-KR" sz="1600" dirty="0" smtClean="0"/>
-              <a:t>f</a:t>
-            </a:r>
+              <a:rPr kumimoji="0" lang="en-US" altLang="ko-KR" sz="1600" dirty="0" smtClean="0">
+                <a:solidFill>
+                  <a:schemeClr val="tx1"/>
+                </a:solidFill>
+                <a:latin typeface="+mn-ea"/>
+              </a:rPr>
+              <a:t>pip </a:t>
+            </a:r>
+            <a:r>
+              <a:rPr kumimoji="0" lang="en-US" altLang="ko-KR" sz="1600" dirty="0">
+                <a:solidFill>
+                  <a:schemeClr val="tx1"/>
+                </a:solidFill>
+                <a:latin typeface="+mn-ea"/>
+              </a:rPr>
+              <a:t>install </a:t>
+            </a:r>
+            <a:r>
+              <a:rPr lang="en-US" altLang="ko-KR" sz="1600" dirty="0" err="1" smtClean="0"/>
+              <a:t>numpy</a:t>
+            </a:r>
+            <a:endParaRPr lang="en-US" altLang="ko-KR" sz="1600" dirty="0" smtClean="0"/>
           </a:p>
           <a:p>
             <a:pPr marL="742950" lvl="1" indent="-285750" latinLnBrk="0">
@@ -3417,249 +3368,21 @@
               <a:buChar char="•"/>
             </a:pPr>
             <a:r>
-              <a:rPr lang="en-US" altLang="ko-KR" sz="1600" dirty="0" smtClean="0"/>
-              <a:t>Select Language Mode : HTML </a:t>
-            </a:r>
-            <a:r>
-              <a:rPr lang="ko-KR" altLang="en-US" sz="1600" dirty="0" smtClean="0"/>
-              <a:t>선택</a:t>
-            </a:r>
-            <a:endParaRPr lang="en-US" altLang="ko-KR" sz="1600" dirty="0" smtClean="0"/>
-          </a:p>
-          <a:p>
-            <a:pPr marL="742950" lvl="1" indent="-285750" latinLnBrk="0">
-              <a:lnSpc>
-                <a:spcPct val="150000"/>
-              </a:lnSpc>
-              <a:buFont typeface="Arial" panose="020B0604020202020204" pitchFamily="34" charset="0"/>
-              <a:buChar char="•"/>
-            </a:pPr>
-            <a:endParaRPr lang="en-US" altLang="ko-KR" sz="1600" dirty="0">
-              <a:solidFill>
-                <a:srgbClr val="0000FF"/>
-              </a:solidFill>
-              <a:latin typeface="+mn-ea"/>
-            </a:endParaRPr>
-          </a:p>
-          <a:p>
-            <a:pPr marL="742950" lvl="1" indent="-285750" latinLnBrk="0">
-              <a:lnSpc>
-                <a:spcPct val="150000"/>
-              </a:lnSpc>
-              <a:buFont typeface="Arial" panose="020B0604020202020204" pitchFamily="34" charset="0"/>
-              <a:buChar char="•"/>
-            </a:pPr>
-            <a:endParaRPr lang="en-US" altLang="ko-KR" sz="2000" dirty="0" smtClean="0">
-              <a:solidFill>
-                <a:srgbClr val="0000FF"/>
-              </a:solidFill>
-              <a:latin typeface="+mn-ea"/>
-            </a:endParaRPr>
-          </a:p>
-          <a:p>
-            <a:pPr marL="285750" indent="-285750">
-              <a:lnSpc>
-                <a:spcPct val="150000"/>
-              </a:lnSpc>
-              <a:buFont typeface="Wingdings" panose="05000000000000000000" pitchFamily="2" charset="2"/>
-              <a:buChar char="Ø"/>
-            </a:pPr>
-            <a:endParaRPr lang="en-US" altLang="ko-KR" sz="2000" dirty="0" smtClean="0">
-              <a:solidFill>
-                <a:srgbClr val="0000FF"/>
-              </a:solidFill>
-              <a:latin typeface="+mn-ea"/>
-            </a:endParaRPr>
-          </a:p>
-          <a:p>
-            <a:pPr marL="285750" indent="-285750">
-              <a:lnSpc>
-                <a:spcPct val="150000"/>
-              </a:lnSpc>
-              <a:buFont typeface="Wingdings" panose="05000000000000000000" pitchFamily="2" charset="2"/>
-              <a:buChar char="Ø"/>
-            </a:pPr>
-            <a:endParaRPr lang="en-US" altLang="ko-KR" sz="2000" dirty="0">
-              <a:solidFill>
-                <a:srgbClr val="0000FF"/>
-              </a:solidFill>
-              <a:latin typeface="+mn-ea"/>
-            </a:endParaRPr>
-          </a:p>
-          <a:p>
-            <a:pPr marL="285750" indent="-285750">
-              <a:lnSpc>
-                <a:spcPct val="150000"/>
-              </a:lnSpc>
-              <a:buFont typeface="Wingdings" panose="05000000000000000000" pitchFamily="2" charset="2"/>
-              <a:buChar char="Ø"/>
-            </a:pPr>
-            <a:endParaRPr lang="en-US" altLang="ko-KR" sz="2000" dirty="0" smtClean="0">
-              <a:solidFill>
-                <a:srgbClr val="0000FF"/>
-              </a:solidFill>
-              <a:latin typeface="+mn-ea"/>
-            </a:endParaRPr>
-          </a:p>
-          <a:p>
-            <a:pPr marL="285750" indent="-285750">
-              <a:lnSpc>
-                <a:spcPct val="150000"/>
-              </a:lnSpc>
-              <a:buFont typeface="Wingdings" panose="05000000000000000000" pitchFamily="2" charset="2"/>
-              <a:buChar char="Ø"/>
-            </a:pPr>
-            <a:endParaRPr lang="en-US" altLang="ko-KR" sz="2000" dirty="0">
-              <a:solidFill>
-                <a:srgbClr val="0000FF"/>
-              </a:solidFill>
-              <a:latin typeface="+mn-ea"/>
-            </a:endParaRPr>
-          </a:p>
-          <a:p>
-            <a:pPr marL="285750" indent="-285750">
-              <a:lnSpc>
-                <a:spcPct val="150000"/>
-              </a:lnSpc>
-              <a:buFont typeface="Wingdings" panose="05000000000000000000" pitchFamily="2" charset="2"/>
-              <a:buChar char="Ø"/>
-            </a:pPr>
-            <a:r>
-              <a:rPr lang="en-US" altLang="ko-KR" sz="2000" dirty="0" smtClean="0">
-                <a:solidFill>
-                  <a:srgbClr val="0000FF"/>
-                </a:solidFill>
-                <a:latin typeface="+mn-ea"/>
-              </a:rPr>
-              <a:t>Beauty </a:t>
-            </a:r>
-            <a:r>
-              <a:rPr lang="ko-KR" altLang="en-US" sz="2000" dirty="0" smtClean="0">
-                <a:solidFill>
-                  <a:srgbClr val="0000FF"/>
-                </a:solidFill>
-                <a:latin typeface="+mn-ea"/>
-              </a:rPr>
-              <a:t>자동 정렬 </a:t>
-            </a:r>
-            <a:r>
-              <a:rPr lang="en-US" altLang="ko-KR" sz="2000" dirty="0" smtClean="0">
-                <a:solidFill>
-                  <a:srgbClr val="0000FF"/>
-                </a:solidFill>
-                <a:latin typeface="+mn-ea"/>
-              </a:rPr>
-              <a:t>(HTML, CSS </a:t>
-            </a:r>
-            <a:r>
-              <a:rPr lang="ko-KR" altLang="en-US" sz="2000" dirty="0" smtClean="0">
-                <a:solidFill>
-                  <a:srgbClr val="0000FF"/>
-                </a:solidFill>
-                <a:latin typeface="+mn-ea"/>
-              </a:rPr>
-              <a:t>등</a:t>
-            </a:r>
-            <a:r>
-              <a:rPr lang="en-US" altLang="ko-KR" sz="2000" dirty="0" smtClean="0">
-                <a:solidFill>
-                  <a:srgbClr val="0000FF"/>
-                </a:solidFill>
-                <a:latin typeface="+mn-ea"/>
-              </a:rPr>
-              <a:t>)</a:t>
-            </a:r>
-          </a:p>
-          <a:p>
-            <a:pPr marL="742950" lvl="1" indent="-285750" latinLnBrk="0">
-              <a:lnSpc>
-                <a:spcPct val="150000"/>
-              </a:lnSpc>
-              <a:buFont typeface="Arial" panose="020B0604020202020204" pitchFamily="34" charset="0"/>
-              <a:buChar char="•"/>
-            </a:pPr>
-            <a:r>
-              <a:rPr lang="en-US" altLang="ko-KR" sz="1600" dirty="0" smtClean="0"/>
-              <a:t>Ctrl + Shift + b</a:t>
-            </a:r>
-            <a:endParaRPr lang="en-US" altLang="ko-KR" sz="1400" dirty="0" smtClean="0"/>
-          </a:p>
-          <a:p>
-            <a:pPr lvl="2">
-              <a:lnSpc>
-                <a:spcPct val="150000"/>
-              </a:lnSpc>
-            </a:pPr>
-            <a:endParaRPr kumimoji="0" lang="en-US" altLang="ko-KR" sz="1200" dirty="0">
-              <a:solidFill>
-                <a:srgbClr val="0000FF"/>
-              </a:solidFill>
-              <a:latin typeface="+mn-ea"/>
-            </a:endParaRPr>
-          </a:p>
-          <a:p>
-            <a:pPr marL="800100" lvl="1" indent="-342900">
-              <a:buFont typeface="Arial" panose="020B0604020202020204" pitchFamily="34" charset="0"/>
-              <a:buChar char="•"/>
-            </a:pPr>
-            <a:endParaRPr kumimoji="0" lang="en-US" altLang="ko-KR" sz="1200" dirty="0" smtClean="0">
-              <a:solidFill>
-                <a:schemeClr val="tx1"/>
-              </a:solidFill>
-              <a:latin typeface="+mn-ea"/>
-            </a:endParaRPr>
-          </a:p>
-          <a:p>
-            <a:pPr lvl="1"/>
-            <a:endParaRPr kumimoji="0" lang="en-US" altLang="ko-KR" sz="1000" dirty="0" smtClean="0">
-              <a:solidFill>
-                <a:schemeClr val="tx1"/>
-              </a:solidFill>
-              <a:latin typeface="+mn-ea"/>
-            </a:endParaRPr>
-          </a:p>
-          <a:p>
-            <a:pPr marL="800100" lvl="1" indent="-342900">
-              <a:buFont typeface="Arial" panose="020B0604020202020204" pitchFamily="34" charset="0"/>
-              <a:buChar char="•"/>
-            </a:pPr>
-            <a:endParaRPr kumimoji="0" lang="en-US" altLang="ko-KR" sz="1000" dirty="0" smtClean="0">
-              <a:solidFill>
-                <a:schemeClr val="tx1"/>
-              </a:solidFill>
-              <a:latin typeface="+mn-ea"/>
-            </a:endParaRPr>
+              <a:rPr lang="en-US" altLang="ko-KR" sz="1600" dirty="0"/>
+              <a:t>python -m pip install -U </a:t>
+            </a:r>
+            <a:r>
+              <a:rPr lang="en-US" altLang="ko-KR" sz="1600" dirty="0" err="1"/>
+              <a:t>matplotlib</a:t>
+            </a:r>
+            <a:endParaRPr lang="en-US" altLang="ko-KR" sz="1600" dirty="0"/>
           </a:p>
         </p:txBody>
       </p:sp>
-      <p:pic>
-        <p:nvPicPr>
-          <p:cNvPr id="6" name="그림 5"/>
-          <p:cNvPicPr>
-            <a:picLocks noChangeAspect="1"/>
-          </p:cNvPicPr>
-          <p:nvPr/>
-        </p:nvPicPr>
-        <p:blipFill>
-          <a:blip r:embed="rId3"/>
-          <a:stretch>
-            <a:fillRect/>
-          </a:stretch>
-        </p:blipFill>
-        <p:spPr>
-          <a:xfrm>
-            <a:off x="1271481" y="2996952"/>
-            <a:ext cx="6601039" cy="1728192"/>
-          </a:xfrm>
-          <a:prstGeom prst="rect">
-            <a:avLst/>
-          </a:prstGeom>
-        </p:spPr>
-      </p:pic>
     </p:spTree>
     <p:extLst>
       <p:ext uri="{BB962C8B-B14F-4D97-AF65-F5344CB8AC3E}">
-        <p14:creationId xmlns:p14="http://schemas.microsoft.com/office/powerpoint/2010/main" val="2899181094"/>
+        <p14:creationId xmlns:p14="http://schemas.microsoft.com/office/powerpoint/2010/main" val="500583600"/>
       </p:ext>
     </p:extLst>
   </p:cSld>
@@ -3716,18 +3439,18 @@
           <a:lstStyle/>
           <a:p>
             <a:r>
-              <a:rPr lang="en-US" altLang="ko-KR" sz="2400" dirty="0" err="1" smtClean="0">
-                <a:latin typeface="HY헤드라인M" pitchFamily="18" charset="-127"/>
-                <a:ea typeface="HY헤드라인M" pitchFamily="18" charset="-127"/>
-              </a:rPr>
-              <a:t>Jupyter</a:t>
-            </a:r>
-            <a:r>
               <a:rPr lang="en-US" altLang="ko-KR" sz="2400" dirty="0" smtClean="0">
                 <a:latin typeface="HY헤드라인M" pitchFamily="18" charset="-127"/>
                 <a:ea typeface="HY헤드라인M" pitchFamily="18" charset="-127"/>
               </a:rPr>
-              <a:t> Notebook</a:t>
+              <a:t>VS Code IDE </a:t>
+            </a:r>
+            <a:r>
+              <a:rPr lang="ko-KR" altLang="en-US" sz="2400" dirty="0" smtClean="0">
+                <a:latin typeface="HY헤드라인M" pitchFamily="18" charset="-127"/>
+                <a:ea typeface="HY헤드라인M" pitchFamily="18" charset="-127"/>
+              </a:rPr>
+              <a:t>설정</a:t>
             </a:r>
             <a:endParaRPr lang="ko-KR" altLang="en-US" sz="2400" dirty="0">
               <a:latin typeface="HY헤드라인M" pitchFamily="18" charset="-127"/>
@@ -3810,15 +3533,180 @@
               <a:buChar char="Ø"/>
             </a:pPr>
             <a:r>
-              <a:rPr lang="ko-KR" altLang="en-US" sz="2000" dirty="0" smtClean="0">
+              <a:rPr lang="en-US" altLang="ko-KR" dirty="0">
                 <a:solidFill>
                   <a:srgbClr val="0000FF"/>
                 </a:solidFill>
                 <a:latin typeface="+mn-ea"/>
               </a:rPr>
+              <a:t>VS Code Extensions</a:t>
+            </a:r>
+          </a:p>
+          <a:p>
+            <a:pPr marL="742950" lvl="1" indent="-285750" latinLnBrk="0">
+              <a:lnSpc>
+                <a:spcPct val="150000"/>
+              </a:lnSpc>
+              <a:buFont typeface="Arial" panose="020B0604020202020204" pitchFamily="34" charset="0"/>
+              <a:buChar char="•"/>
+            </a:pPr>
+            <a:r>
+              <a:rPr lang="en-US" altLang="ko-KR" sz="1400" dirty="0" smtClean="0">
+                <a:solidFill>
+                  <a:schemeClr val="tx1"/>
+                </a:solidFill>
+              </a:rPr>
+              <a:t>Python</a:t>
+            </a:r>
+          </a:p>
+          <a:p>
+            <a:pPr marL="742950" lvl="1" indent="-285750" latinLnBrk="0">
+              <a:lnSpc>
+                <a:spcPct val="150000"/>
+              </a:lnSpc>
+              <a:buFont typeface="Arial" panose="020B0604020202020204" pitchFamily="34" charset="0"/>
+              <a:buChar char="•"/>
+            </a:pPr>
+            <a:r>
+              <a:rPr lang="en-US" altLang="ko-KR" sz="1400" dirty="0" smtClean="0">
+                <a:solidFill>
+                  <a:schemeClr val="tx1"/>
+                </a:solidFill>
+              </a:rPr>
+              <a:t>Python Extension Pack</a:t>
+            </a:r>
+          </a:p>
+          <a:p>
+            <a:pPr marL="742950" lvl="1" indent="-285750" latinLnBrk="0">
+              <a:lnSpc>
+                <a:spcPct val="150000"/>
+              </a:lnSpc>
+              <a:buFont typeface="Arial" panose="020B0604020202020204" pitchFamily="34" charset="0"/>
+              <a:buChar char="•"/>
+            </a:pPr>
+            <a:r>
+              <a:rPr lang="en-US" altLang="ko-KR" sz="1400" dirty="0" smtClean="0">
+                <a:solidFill>
+                  <a:schemeClr val="tx1"/>
+                </a:solidFill>
+              </a:rPr>
+              <a:t>Python Extended</a:t>
+            </a:r>
+          </a:p>
+          <a:p>
+            <a:pPr marL="742950" lvl="1" indent="-285750" latinLnBrk="0">
+              <a:lnSpc>
+                <a:spcPct val="150000"/>
+              </a:lnSpc>
+              <a:buFont typeface="Arial" panose="020B0604020202020204" pitchFamily="34" charset="0"/>
+              <a:buChar char="•"/>
+            </a:pPr>
+            <a:r>
+              <a:rPr lang="en-US" altLang="ko-KR" sz="1400" dirty="0" smtClean="0">
+                <a:solidFill>
+                  <a:schemeClr val="tx1"/>
+                </a:solidFill>
+              </a:rPr>
+              <a:t>Python Path</a:t>
+            </a:r>
+          </a:p>
+          <a:p>
+            <a:pPr marL="742950" lvl="1" indent="-285750" latinLnBrk="0">
+              <a:lnSpc>
+                <a:spcPct val="150000"/>
+              </a:lnSpc>
+              <a:buFont typeface="Arial" panose="020B0604020202020204" pitchFamily="34" charset="0"/>
+              <a:buChar char="•"/>
+            </a:pPr>
+            <a:r>
+              <a:rPr lang="en-US" altLang="ko-KR" sz="1400" dirty="0"/>
+              <a:t>Python Type </a:t>
+            </a:r>
+            <a:r>
+              <a:rPr lang="en-US" altLang="ko-KR" sz="1400" dirty="0" smtClean="0"/>
+              <a:t>Hint</a:t>
+            </a:r>
+          </a:p>
+          <a:p>
+            <a:pPr marL="742950" lvl="1" indent="-285750" latinLnBrk="0">
+              <a:lnSpc>
+                <a:spcPct val="150000"/>
+              </a:lnSpc>
+              <a:buFont typeface="Arial" panose="020B0604020202020204" pitchFamily="34" charset="0"/>
+              <a:buChar char="•"/>
+            </a:pPr>
+            <a:r>
+              <a:rPr lang="en-US" altLang="ko-KR" sz="1400" dirty="0"/>
+              <a:t>Black Formatter</a:t>
+            </a:r>
+            <a:endParaRPr lang="en-US" altLang="ko-KR" sz="1400" dirty="0" smtClean="0"/>
+          </a:p>
+          <a:p>
+            <a:pPr marL="742950" lvl="1" indent="-285750" latinLnBrk="0">
+              <a:lnSpc>
+                <a:spcPct val="150000"/>
+              </a:lnSpc>
+              <a:buFont typeface="Arial" panose="020B0604020202020204" pitchFamily="34" charset="0"/>
+              <a:buChar char="•"/>
+            </a:pPr>
+            <a:r>
+              <a:rPr lang="en-US" altLang="ko-KR" sz="1400" dirty="0" smtClean="0">
+                <a:solidFill>
+                  <a:schemeClr val="tx1"/>
+                </a:solidFill>
+              </a:rPr>
+              <a:t>Excel Viewer – </a:t>
+            </a:r>
+            <a:r>
+              <a:rPr lang="en-US" altLang="ko-KR" sz="1400" dirty="0" smtClean="0">
+                <a:solidFill>
+                  <a:srgbClr val="00B0F0"/>
+                </a:solidFill>
+              </a:rPr>
+              <a:t>Open Preview (ctrl + shift + V)</a:t>
+            </a:r>
+          </a:p>
+          <a:p>
+            <a:pPr marL="742950" lvl="1" indent="-285750" latinLnBrk="0">
+              <a:lnSpc>
+                <a:spcPct val="150000"/>
+              </a:lnSpc>
+              <a:buFont typeface="Arial" panose="020B0604020202020204" pitchFamily="34" charset="0"/>
+              <a:buChar char="•"/>
+            </a:pPr>
+            <a:endParaRPr lang="en-US" altLang="ko-KR" sz="1400" dirty="0">
+              <a:solidFill>
+                <a:srgbClr val="00B0F0"/>
+              </a:solidFill>
+            </a:endParaRPr>
+          </a:p>
+          <a:p>
+            <a:pPr marL="285750" indent="-285750">
+              <a:lnSpc>
+                <a:spcPct val="150000"/>
+              </a:lnSpc>
+              <a:buFont typeface="Wingdings" panose="05000000000000000000" pitchFamily="2" charset="2"/>
+              <a:buChar char="Ø"/>
+            </a:pPr>
+            <a:r>
+              <a:rPr lang="en-US" altLang="ko-KR" dirty="0">
+                <a:solidFill>
+                  <a:srgbClr val="0000FF"/>
+                </a:solidFill>
+                <a:latin typeface="+mn-ea"/>
+              </a:rPr>
+              <a:t>VS Code </a:t>
+            </a:r>
+            <a:r>
+              <a:rPr lang="ko-KR" altLang="en-US" dirty="0" smtClean="0">
+                <a:solidFill>
+                  <a:srgbClr val="0000FF"/>
+                </a:solidFill>
+                <a:latin typeface="+mn-ea"/>
+              </a:rPr>
               <a:t>설정</a:t>
             </a:r>
-            <a:endParaRPr lang="en-US" altLang="ko-KR" sz="2000" dirty="0">
+            <a:endParaRPr lang="en-US" altLang="ko-KR" dirty="0">
               <a:solidFill>
                 <a:srgbClr val="0000FF"/>
               </a:solidFill>
@@ -3834,251 +3722,93 @@
               <a:buChar char="•"/>
             </a:pPr>
             <a:r>
-              <a:rPr lang="en-US" altLang="ko-KR" sz="1600" dirty="0" err="1"/>
-              <a:t>jupyter</a:t>
-            </a:r>
-            <a:r>
-              <a:rPr lang="en-US" altLang="ko-KR" sz="1600" dirty="0"/>
-              <a:t> notebook --</a:t>
-            </a:r>
-            <a:r>
-              <a:rPr lang="en-US" altLang="ko-KR" sz="1600" dirty="0" smtClean="0"/>
-              <a:t>generate-</a:t>
-            </a:r>
-            <a:r>
-              <a:rPr lang="en-US" altLang="ko-KR" sz="1600" dirty="0" err="1" smtClean="0"/>
-              <a:t>config</a:t>
-            </a:r>
-            <a:endParaRPr kumimoji="0" lang="en-US" altLang="ko-KR" sz="1600" dirty="0" smtClean="0">
+              <a:rPr lang="en-US" altLang="ko-KR" sz="1400" dirty="0" smtClean="0">
+                <a:solidFill>
+                  <a:schemeClr val="tx1"/>
+                </a:solidFill>
+              </a:rPr>
+              <a:t>ctrl + shift + p</a:t>
+            </a:r>
+            <a:endParaRPr lang="en-US" altLang="ko-KR" sz="1400" dirty="0">
+              <a:solidFill>
+                <a:schemeClr val="tx1"/>
+              </a:solidFill>
+            </a:endParaRPr>
+          </a:p>
+          <a:p>
+            <a:pPr marL="742950" lvl="1" indent="-285750" latinLnBrk="0">
+              <a:lnSpc>
+                <a:spcPct val="150000"/>
+              </a:lnSpc>
+              <a:buFont typeface="Arial" panose="020B0604020202020204" pitchFamily="34" charset="0"/>
+              <a:buChar char="•"/>
+            </a:pPr>
+            <a:r>
+              <a:rPr lang="en-US" altLang="ko-KR" sz="1400" dirty="0">
+                <a:solidFill>
+                  <a:schemeClr val="tx1"/>
+                </a:solidFill>
+              </a:rPr>
+              <a:t>P</a:t>
+            </a:r>
+            <a:r>
+              <a:rPr lang="en-US" altLang="ko-KR" sz="1400" dirty="0" smtClean="0">
+                <a:solidFill>
+                  <a:schemeClr val="tx1"/>
+                </a:solidFill>
+              </a:rPr>
+              <a:t>ython: Select Interpreter</a:t>
+            </a:r>
+          </a:p>
+          <a:p>
+            <a:pPr marL="742950" lvl="1" indent="-285750" latinLnBrk="0">
+              <a:lnSpc>
+                <a:spcPct val="150000"/>
+              </a:lnSpc>
+              <a:buFont typeface="Arial" panose="020B0604020202020204" pitchFamily="34" charset="0"/>
+              <a:buChar char="•"/>
+            </a:pPr>
+            <a:r>
+              <a:rPr lang="en-US" altLang="ko-KR" sz="1400" dirty="0" smtClean="0">
+                <a:solidFill>
+                  <a:schemeClr val="tx1"/>
+                </a:solidFill>
+              </a:rPr>
+              <a:t>Python 3.10.10 </a:t>
+            </a:r>
+            <a:r>
+              <a:rPr lang="en-US" altLang="ko-KR" sz="1400" dirty="0" smtClean="0">
+                <a:solidFill>
+                  <a:schemeClr val="tx1"/>
+                </a:solidFill>
+              </a:rPr>
+              <a:t>64-bit</a:t>
+            </a:r>
+            <a:endParaRPr lang="en-US" altLang="ko-KR" sz="2000" dirty="0" smtClean="0">
+              <a:solidFill>
+                <a:srgbClr val="0000FF"/>
+              </a:solidFill>
+              <a:latin typeface="+mn-ea"/>
+            </a:endParaRPr>
+          </a:p>
+          <a:p>
+            <a:pPr marL="800100" lvl="1" indent="-342900">
+              <a:buFont typeface="Arial" panose="020B0604020202020204" pitchFamily="34" charset="0"/>
+              <a:buChar char="•"/>
+            </a:pPr>
+            <a:endParaRPr kumimoji="0" lang="en-US" altLang="ko-KR" sz="1000" dirty="0" smtClean="0">
               <a:solidFill>
                 <a:schemeClr val="tx1"/>
               </a:solidFill>
               <a:latin typeface="+mn-ea"/>
             </a:endParaRPr>
           </a:p>
-          <a:p>
-            <a:pPr marL="742950" lvl="1" indent="-285750" latinLnBrk="0">
-              <a:lnSpc>
-                <a:spcPct val="150000"/>
-              </a:lnSpc>
-              <a:buFont typeface="Arial" panose="020B0604020202020204" pitchFamily="34" charset="0"/>
-              <a:buChar char="•"/>
-            </a:pPr>
-            <a:r>
-              <a:rPr kumimoji="0" lang="en-US" altLang="ko-KR" sz="1600" dirty="0">
-                <a:solidFill>
-                  <a:schemeClr val="tx1"/>
-                </a:solidFill>
-                <a:latin typeface="+mn-ea"/>
-              </a:rPr>
-              <a:t>C:\Users\jsh\.</a:t>
-            </a:r>
-            <a:r>
-              <a:rPr kumimoji="0" lang="en-US" altLang="ko-KR" sz="1600" dirty="0" smtClean="0">
-                <a:solidFill>
-                  <a:schemeClr val="tx1"/>
-                </a:solidFill>
-                <a:latin typeface="+mn-ea"/>
-              </a:rPr>
-              <a:t>jupyter\jupyter_notebook_config</a:t>
-            </a:r>
-          </a:p>
-          <a:p>
-            <a:pPr marL="742950" lvl="1" indent="-285750" latinLnBrk="0">
-              <a:lnSpc>
-                <a:spcPct val="150000"/>
-              </a:lnSpc>
-              <a:buFont typeface="Arial" panose="020B0604020202020204" pitchFamily="34" charset="0"/>
-              <a:buChar char="•"/>
-            </a:pPr>
-            <a:r>
-              <a:rPr kumimoji="0" lang="en-US" altLang="ko-KR" sz="1600" dirty="0" err="1" smtClean="0">
-                <a:solidFill>
-                  <a:srgbClr val="FF0000"/>
-                </a:solidFill>
-                <a:latin typeface="+mn-ea"/>
-              </a:rPr>
-              <a:t>c.NotebookApp.browser</a:t>
-            </a:r>
-            <a:r>
-              <a:rPr kumimoji="0" lang="en-US" altLang="ko-KR" sz="1600" dirty="0" smtClean="0">
-                <a:solidFill>
-                  <a:srgbClr val="FF0000"/>
-                </a:solidFill>
-                <a:latin typeface="+mn-ea"/>
-              </a:rPr>
-              <a:t> </a:t>
-            </a:r>
-            <a:r>
-              <a:rPr kumimoji="0" lang="en-US" altLang="ko-KR" sz="1600" dirty="0">
-                <a:solidFill>
-                  <a:srgbClr val="FF0000"/>
-                </a:solidFill>
-                <a:latin typeface="+mn-ea"/>
-              </a:rPr>
-              <a:t>= 'C:\Program </a:t>
-            </a:r>
-            <a:r>
-              <a:rPr kumimoji="0" lang="en-US" altLang="ko-KR" sz="1600" dirty="0" smtClean="0">
-                <a:solidFill>
-                  <a:srgbClr val="FF0000"/>
-                </a:solidFill>
-                <a:latin typeface="+mn-ea"/>
-              </a:rPr>
-              <a:t>Files(x86</a:t>
-            </a:r>
-            <a:r>
-              <a:rPr kumimoji="0" lang="en-US" altLang="ko-KR" sz="1600" dirty="0">
-                <a:solidFill>
-                  <a:srgbClr val="FF0000"/>
-                </a:solidFill>
-                <a:latin typeface="+mn-ea"/>
-              </a:rPr>
-              <a:t>)\</a:t>
-            </a:r>
-            <a:r>
-              <a:rPr kumimoji="0" lang="en-US" altLang="ko-KR" sz="1600" dirty="0" smtClean="0">
-                <a:solidFill>
-                  <a:srgbClr val="FF0000"/>
-                </a:solidFill>
-                <a:latin typeface="+mn-ea"/>
-              </a:rPr>
-              <a:t>Google\Chrome\Application\chrome.exe‘</a:t>
-            </a:r>
-          </a:p>
-          <a:p>
-            <a:pPr marL="742950" lvl="1" indent="-285750" latinLnBrk="0">
-              <a:lnSpc>
-                <a:spcPct val="150000"/>
-              </a:lnSpc>
-              <a:buFont typeface="Arial" panose="020B0604020202020204" pitchFamily="34" charset="0"/>
-              <a:buChar char="•"/>
-            </a:pPr>
-            <a:endParaRPr kumimoji="0" lang="en-US" altLang="ko-KR" sz="1600" dirty="0">
-              <a:solidFill>
-                <a:schemeClr val="tx1"/>
-              </a:solidFill>
-              <a:latin typeface="+mn-ea"/>
-            </a:endParaRPr>
-          </a:p>
-          <a:p>
-            <a:pPr marL="285750" indent="-285750">
-              <a:lnSpc>
-                <a:spcPct val="150000"/>
-              </a:lnSpc>
-              <a:buFont typeface="Wingdings" panose="05000000000000000000" pitchFamily="2" charset="2"/>
-              <a:buChar char="Ø"/>
-            </a:pPr>
-            <a:r>
-              <a:rPr lang="ko-KR" altLang="en-US" sz="2000" dirty="0" smtClean="0">
-                <a:solidFill>
-                  <a:srgbClr val="0000FF"/>
-                </a:solidFill>
-                <a:latin typeface="+mn-ea"/>
-              </a:rPr>
-              <a:t>프로젝트 생성</a:t>
-            </a:r>
-            <a:endParaRPr lang="en-US" altLang="ko-KR" sz="2000" dirty="0">
-              <a:solidFill>
-                <a:srgbClr val="0000FF"/>
-              </a:solidFill>
-              <a:latin typeface="+mn-ea"/>
-            </a:endParaRPr>
-          </a:p>
-          <a:p>
-            <a:pPr marL="742950" lvl="1" indent="-285750" latinLnBrk="0">
-              <a:lnSpc>
-                <a:spcPct val="150000"/>
-              </a:lnSpc>
-              <a:buFont typeface="Arial" panose="020B0604020202020204" pitchFamily="34" charset="0"/>
-              <a:buChar char="•"/>
-            </a:pPr>
-            <a:r>
-              <a:rPr lang="ko-KR" altLang="en-US" sz="1600" dirty="0" smtClean="0"/>
-              <a:t>프로젝트 폴더로 이동</a:t>
-            </a:r>
-            <a:endParaRPr kumimoji="0" lang="en-US" altLang="ko-KR" sz="1600" dirty="0">
-              <a:solidFill>
-                <a:schemeClr val="tx1"/>
-              </a:solidFill>
-              <a:latin typeface="+mn-ea"/>
-            </a:endParaRPr>
-          </a:p>
-          <a:p>
-            <a:pPr marL="742950" lvl="1" indent="-285750" latinLnBrk="0">
-              <a:lnSpc>
-                <a:spcPct val="150000"/>
-              </a:lnSpc>
-              <a:buFont typeface="Arial" panose="020B0604020202020204" pitchFamily="34" charset="0"/>
-              <a:buChar char="•"/>
-            </a:pPr>
-            <a:r>
-              <a:rPr kumimoji="0" lang="en-US" altLang="ko-KR" sz="1600" dirty="0" err="1">
-                <a:solidFill>
-                  <a:schemeClr val="tx1"/>
-                </a:solidFill>
-                <a:latin typeface="+mn-ea"/>
-              </a:rPr>
-              <a:t>j</a:t>
-            </a:r>
-            <a:r>
-              <a:rPr kumimoji="0" lang="en-US" altLang="ko-KR" sz="1600" dirty="0" err="1" smtClean="0">
-                <a:solidFill>
-                  <a:schemeClr val="tx1"/>
-                </a:solidFill>
-                <a:latin typeface="+mn-ea"/>
-              </a:rPr>
-              <a:t>upyter</a:t>
-            </a:r>
-            <a:r>
-              <a:rPr kumimoji="0" lang="en-US" altLang="ko-KR" sz="1600" dirty="0" smtClean="0">
-                <a:solidFill>
-                  <a:schemeClr val="tx1"/>
-                </a:solidFill>
-                <a:latin typeface="+mn-ea"/>
-              </a:rPr>
-              <a:t> Notebook</a:t>
-            </a:r>
-          </a:p>
-          <a:p>
-            <a:pPr marL="742950" lvl="1" indent="-285750" latinLnBrk="0">
-              <a:lnSpc>
-                <a:spcPct val="150000"/>
-              </a:lnSpc>
-              <a:buFont typeface="Arial" panose="020B0604020202020204" pitchFamily="34" charset="0"/>
-              <a:buChar char="•"/>
-            </a:pPr>
-            <a:r>
-              <a:rPr kumimoji="0" lang="ko-KR" altLang="en-US" sz="1600" dirty="0" smtClean="0">
-                <a:solidFill>
-                  <a:schemeClr val="tx1"/>
-                </a:solidFill>
-                <a:latin typeface="+mn-ea"/>
-              </a:rPr>
-              <a:t>실행 단축키 </a:t>
-            </a:r>
-            <a:r>
-              <a:rPr kumimoji="0" lang="en-US" altLang="ko-KR" sz="1600" smtClean="0">
-                <a:solidFill>
-                  <a:schemeClr val="tx1"/>
-                </a:solidFill>
-                <a:latin typeface="+mn-ea"/>
-              </a:rPr>
-              <a:t>: Shift + Enter</a:t>
-            </a:r>
-            <a:endParaRPr kumimoji="0" lang="en-US" altLang="ko-KR" sz="1600" dirty="0">
-              <a:solidFill>
-                <a:schemeClr val="tx1"/>
-              </a:solidFill>
-              <a:latin typeface="+mn-ea"/>
-            </a:endParaRPr>
-          </a:p>
         </p:txBody>
       </p:sp>
     </p:spTree>
     <p:extLst>
       <p:ext uri="{BB962C8B-B14F-4D97-AF65-F5344CB8AC3E}">
-        <p14:creationId xmlns:p14="http://schemas.microsoft.com/office/powerpoint/2010/main" val="3053595553"/>
+        <p14:creationId xmlns:p14="http://schemas.microsoft.com/office/powerpoint/2010/main" val="4212619403"/>
       </p:ext>
     </p:extLst>
   </p:cSld>
@@ -4135,30 +3865,19 @@
           <a:lstStyle/>
           <a:p>
             <a:r>
-              <a:rPr lang="en-US" altLang="ko-KR" sz="2400" dirty="0" err="1" smtClean="0">
+              <a:rPr lang="en-US" altLang="ko-KR" sz="2400" dirty="0">
                 <a:latin typeface="HY헤드라인M" pitchFamily="18" charset="-127"/>
                 <a:ea typeface="HY헤드라인M" pitchFamily="18" charset="-127"/>
               </a:rPr>
-              <a:t>Kiwoom</a:t>
-            </a:r>
-            <a:r>
-              <a:rPr lang="en-US" altLang="ko-KR" sz="2400" dirty="0" smtClean="0">
+              <a:t>VS Code IDE </a:t>
+            </a:r>
+            <a:r>
+              <a:rPr lang="ko-KR" altLang="en-US" sz="2400" dirty="0">
                 <a:latin typeface="HY헤드라인M" pitchFamily="18" charset="-127"/>
                 <a:ea typeface="HY헤드라인M" pitchFamily="18" charset="-127"/>
               </a:rPr>
-              <a:t> </a:t>
-            </a:r>
-            <a:r>
-              <a:rPr lang="ko-KR" altLang="en-US" sz="2400" dirty="0" smtClean="0">
-                <a:latin typeface="HY헤드라인M" pitchFamily="18" charset="-127"/>
-                <a:ea typeface="HY헤드라인M" pitchFamily="18" charset="-127"/>
-              </a:rPr>
-              <a:t>개발 환경 구축</a:t>
-            </a:r>
-            <a:endParaRPr lang="ko-KR" altLang="en-US" sz="2400" dirty="0">
-              <a:latin typeface="HY헤드라인M" pitchFamily="18" charset="-127"/>
-              <a:ea typeface="HY헤드라인M" pitchFamily="18" charset="-127"/>
-            </a:endParaRPr>
+              <a:t>설정</a:t>
+            </a:r>
           </a:p>
         </p:txBody>
       </p:sp>
@@ -4242,7 +3961,34 @@
                 </a:solidFill>
                 <a:latin typeface="+mn-ea"/>
               </a:rPr>
-              <a:t>모듈 설치</a:t>
+              <a:t>기본</a:t>
+            </a:r>
+            <a:r>
+              <a:rPr lang="en-US" altLang="ko-KR" sz="2000" dirty="0" smtClean="0">
+                <a:solidFill>
+                  <a:srgbClr val="0000FF"/>
+                </a:solidFill>
+                <a:latin typeface="+mn-ea"/>
+              </a:rPr>
+              <a:t> </a:t>
+            </a:r>
+            <a:r>
+              <a:rPr lang="ko-KR" altLang="en-US" sz="2000" dirty="0" smtClean="0">
+                <a:solidFill>
+                  <a:srgbClr val="0000FF"/>
+                </a:solidFill>
+                <a:latin typeface="+mn-ea"/>
+              </a:rPr>
+              <a:t>코드 자동 </a:t>
+            </a:r>
+            <a:r>
+              <a:rPr lang="ko-KR" altLang="en-US" sz="2000" dirty="0">
+                <a:solidFill>
+                  <a:srgbClr val="0000FF"/>
+                </a:solidFill>
+                <a:latin typeface="+mn-ea"/>
+              </a:rPr>
+              <a:t>정렬</a:t>
             </a:r>
             <a:endParaRPr lang="en-US" altLang="ko-KR" sz="2000" dirty="0">
               <a:solidFill>
@@ -4260,35 +4006,51 @@
               <a:buChar char="•"/>
             </a:pPr>
             <a:r>
-              <a:rPr kumimoji="0" lang="en-US" altLang="ko-KR" sz="1600" dirty="0" smtClean="0">
-                <a:solidFill>
-                  <a:schemeClr val="tx1"/>
-                </a:solidFill>
-                <a:latin typeface="+mn-ea"/>
-              </a:rPr>
-              <a:t>pip </a:t>
-            </a:r>
-            <a:r>
-              <a:rPr kumimoji="0" lang="en-US" altLang="ko-KR" sz="1600" dirty="0">
-                <a:solidFill>
-                  <a:schemeClr val="tx1"/>
-                </a:solidFill>
-                <a:latin typeface="+mn-ea"/>
-              </a:rPr>
-              <a:t>install </a:t>
-            </a:r>
-            <a:r>
-              <a:rPr kumimoji="0" lang="en-US" altLang="ko-KR" sz="1600" dirty="0" err="1" smtClean="0">
-                <a:solidFill>
-                  <a:schemeClr val="tx1"/>
-                </a:solidFill>
-                <a:latin typeface="+mn-ea"/>
-              </a:rPr>
-              <a:t>zipline</a:t>
-            </a:r>
-            <a:endParaRPr kumimoji="0" lang="en-US" altLang="ko-KR" sz="1600" dirty="0" smtClean="0">
+              <a:rPr lang="en-US" altLang="ko-KR" sz="1600" dirty="0"/>
+              <a:t>Ctrl + </a:t>
+            </a:r>
+            <a:r>
+              <a:rPr lang="en-US" altLang="ko-KR" sz="1600" dirty="0" smtClean="0"/>
+              <a:t>k </a:t>
+            </a:r>
+            <a:r>
+              <a:rPr lang="en-US" altLang="ko-KR" sz="1600" dirty="0"/>
+              <a:t>+ </a:t>
+            </a:r>
+            <a:r>
+              <a:rPr lang="en-US" altLang="ko-KR" sz="1600" dirty="0" smtClean="0"/>
+              <a:t>f</a:t>
+            </a:r>
+          </a:p>
+          <a:p>
+            <a:pPr marL="742950" lvl="1" indent="-285750" latinLnBrk="0">
+              <a:lnSpc>
+                <a:spcPct val="150000"/>
+              </a:lnSpc>
+              <a:buFont typeface="Arial" panose="020B0604020202020204" pitchFamily="34" charset="0"/>
+              <a:buChar char="•"/>
+            </a:pPr>
+            <a:r>
+              <a:rPr lang="en-US" altLang="ko-KR" sz="1600" dirty="0" smtClean="0"/>
+              <a:t>Select Language Mode : HTML </a:t>
+            </a:r>
+            <a:r>
+              <a:rPr lang="ko-KR" altLang="en-US" sz="1600" dirty="0" smtClean="0"/>
+              <a:t>선택</a:t>
+            </a:r>
+            <a:endParaRPr lang="en-US" altLang="ko-KR" sz="1600" dirty="0" smtClean="0"/>
+          </a:p>
+          <a:p>
+            <a:pPr marL="742950" lvl="1" indent="-285750" latinLnBrk="0">
+              <a:lnSpc>
+                <a:spcPct val="150000"/>
+              </a:lnSpc>
+              <a:buFont typeface="Arial" panose="020B0604020202020204" pitchFamily="34" charset="0"/>
+              <a:buChar char="•"/>
+            </a:pPr>
+            <a:endParaRPr lang="en-US" altLang="ko-KR" sz="1600" dirty="0">
               <a:solidFill>
-                <a:schemeClr val="tx1"/>
+                <a:srgbClr val="0000FF"/>
               </a:solidFill>
               <a:latin typeface="+mn-ea"/>
             </a:endParaRPr>
@@ -4301,74 +4063,128 @@
               <a:buFont typeface="Arial" panose="020B0604020202020204" pitchFamily="34" charset="0"/>
               <a:buChar char="•"/>
             </a:pPr>
-            <a:r>
-              <a:rPr kumimoji="0" lang="en-US" altLang="ko-KR" sz="1600" dirty="0" smtClean="0">
-                <a:solidFill>
-                  <a:schemeClr val="tx1"/>
-                </a:solidFill>
-                <a:latin typeface="+mn-ea"/>
-              </a:rPr>
-              <a:t>pip </a:t>
-            </a:r>
-            <a:r>
-              <a:rPr kumimoji="0" lang="en-US" altLang="ko-KR" sz="1600" dirty="0">
-                <a:solidFill>
-                  <a:schemeClr val="tx1"/>
-                </a:solidFill>
-                <a:latin typeface="+mn-ea"/>
-              </a:rPr>
-              <a:t>install </a:t>
-            </a:r>
-            <a:r>
-              <a:rPr kumimoji="0" lang="en-US" altLang="ko-KR" sz="1600" dirty="0" err="1" smtClean="0">
-                <a:solidFill>
-                  <a:schemeClr val="tx1"/>
-                </a:solidFill>
-                <a:latin typeface="+mn-ea"/>
-              </a:rPr>
-              <a:t>pykiwoom</a:t>
-            </a:r>
-            <a:endParaRPr kumimoji="0" lang="en-US" altLang="ko-KR" sz="1600" dirty="0" smtClean="0">
+            <a:endParaRPr lang="en-US" altLang="ko-KR" sz="2000" dirty="0" smtClean="0">
               <a:solidFill>
-                <a:schemeClr val="tx1"/>
+                <a:srgbClr val="0000FF"/>
               </a:solidFill>
               <a:latin typeface="+mn-ea"/>
             </a:endParaRPr>
           </a:p>
           <a:p>
-            <a:pPr marL="742950" lvl="1" indent="-285750" latinLnBrk="0">
-              <a:lnSpc>
-                <a:spcPct val="150000"/>
-              </a:lnSpc>
-              <a:buFont typeface="Arial" panose="020B0604020202020204" pitchFamily="34" charset="0"/>
-              <a:buChar char="•"/>
-            </a:pPr>
-            <a:r>
-              <a:rPr kumimoji="0" lang="en-US" altLang="ko-KR" sz="1600" dirty="0">
-                <a:solidFill>
-                  <a:schemeClr val="tx1"/>
-                </a:solidFill>
-                <a:latin typeface="+mn-ea"/>
-              </a:rPr>
-              <a:t>pip install </a:t>
-            </a:r>
-            <a:r>
-              <a:rPr kumimoji="0" lang="en-US" altLang="ko-KR" sz="1600" dirty="0" err="1" smtClean="0">
-                <a:solidFill>
-                  <a:schemeClr val="tx1"/>
-                </a:solidFill>
-                <a:latin typeface="+mn-ea"/>
-              </a:rPr>
-              <a:t>kiwoom_api_handler</a:t>
-            </a:r>
-            <a:endParaRPr kumimoji="0" lang="en-US" altLang="ko-KR" sz="1600" dirty="0" smtClean="0">
+            <a:pPr marL="285750" indent="-285750">
+              <a:lnSpc>
+                <a:spcPct val="150000"/>
+              </a:lnSpc>
+              <a:buFont typeface="Wingdings" panose="05000000000000000000" pitchFamily="2" charset="2"/>
+              <a:buChar char="Ø"/>
+            </a:pPr>
+            <a:endParaRPr lang="en-US" altLang="ko-KR" sz="2000" dirty="0" smtClean="0">
               <a:solidFill>
-                <a:schemeClr val="tx1"/>
+                <a:srgbClr val="0000FF"/>
               </a:solidFill>
               <a:latin typeface="+mn-ea"/>
             </a:endParaRPr>
           </a:p>
           <a:p>
+            <a:pPr marL="285750" indent="-285750">
+              <a:lnSpc>
+                <a:spcPct val="150000"/>
+              </a:lnSpc>
+              <a:buFont typeface="Wingdings" panose="05000000000000000000" pitchFamily="2" charset="2"/>
+              <a:buChar char="Ø"/>
+            </a:pPr>
+            <a:endParaRPr lang="en-US" altLang="ko-KR" sz="2000" dirty="0">
+              <a:solidFill>
+                <a:srgbClr val="0000FF"/>
+              </a:solidFill>
+              <a:latin typeface="+mn-ea"/>
+            </a:endParaRPr>
+          </a:p>
+          <a:p>
+            <a:pPr marL="285750" indent="-285750">
+              <a:lnSpc>
+                <a:spcPct val="150000"/>
+              </a:lnSpc>
+              <a:buFont typeface="Wingdings" panose="05000000000000000000" pitchFamily="2" charset="2"/>
+              <a:buChar char="Ø"/>
+            </a:pPr>
+            <a:endParaRPr lang="en-US" altLang="ko-KR" sz="2000" dirty="0" smtClean="0">
+              <a:solidFill>
+                <a:srgbClr val="0000FF"/>
+              </a:solidFill>
+              <a:latin typeface="+mn-ea"/>
+            </a:endParaRPr>
+          </a:p>
+          <a:p>
+            <a:pPr marL="285750" indent="-285750">
+              <a:lnSpc>
+                <a:spcPct val="150000"/>
+              </a:lnSpc>
+              <a:buFont typeface="Wingdings" panose="05000000000000000000" pitchFamily="2" charset="2"/>
+              <a:buChar char="Ø"/>
+            </a:pPr>
+            <a:endParaRPr lang="en-US" altLang="ko-KR" sz="2000" dirty="0">
+              <a:solidFill>
+                <a:srgbClr val="0000FF"/>
+              </a:solidFill>
+              <a:latin typeface="+mn-ea"/>
+            </a:endParaRPr>
+          </a:p>
+          <a:p>
+            <a:pPr marL="285750" indent="-285750">
+              <a:lnSpc>
+                <a:spcPct val="150000"/>
+              </a:lnSpc>
+              <a:buFont typeface="Wingdings" panose="05000000000000000000" pitchFamily="2" charset="2"/>
+              <a:buChar char="Ø"/>
+            </a:pPr>
+            <a:r>
+              <a:rPr lang="en-US" altLang="ko-KR" sz="2000" dirty="0" smtClean="0">
+                <a:solidFill>
+                  <a:srgbClr val="0000FF"/>
+                </a:solidFill>
+                <a:latin typeface="+mn-ea"/>
+              </a:rPr>
+              <a:t>Beauty </a:t>
+            </a:r>
+            <a:r>
+              <a:rPr lang="ko-KR" altLang="en-US" sz="2000" dirty="0" smtClean="0">
+                <a:solidFill>
+                  <a:srgbClr val="0000FF"/>
+                </a:solidFill>
+                <a:latin typeface="+mn-ea"/>
+              </a:rPr>
+              <a:t>자동 정렬 </a:t>
+            </a:r>
+            <a:r>
+              <a:rPr lang="en-US" altLang="ko-KR" sz="2000" dirty="0" smtClean="0">
+                <a:solidFill>
+                  <a:srgbClr val="0000FF"/>
+                </a:solidFill>
+                <a:latin typeface="+mn-ea"/>
+              </a:rPr>
+              <a:t>(HTML, CSS </a:t>
+            </a:r>
+            <a:r>
+              <a:rPr lang="ko-KR" altLang="en-US" sz="2000" dirty="0" smtClean="0">
+                <a:solidFill>
+                  <a:srgbClr val="0000FF"/>
+                </a:solidFill>
+                <a:latin typeface="+mn-ea"/>
+              </a:rPr>
+              <a:t>등</a:t>
+            </a:r>
+            <a:r>
+              <a:rPr lang="en-US" altLang="ko-KR" sz="2000" dirty="0" smtClean="0">
+                <a:solidFill>
+                  <a:srgbClr val="0000FF"/>
+                </a:solidFill>
+                <a:latin typeface="+mn-ea"/>
+              </a:rPr>
+              <a:t>)</a:t>
+            </a:r>
+          </a:p>
+          <a:p>
             <a:pPr marL="742950" lvl="1" indent="-285750" latinLnBrk="0">
               <a:lnSpc>
                 <a:spcPct val="150000"/>
@@ -4377,120 +4193,30 @@
               <a:buChar char="•"/>
             </a:pPr>
             <a:r>
-              <a:rPr kumimoji="0" lang="en-US" altLang="ko-KR" sz="1600" dirty="0" smtClean="0">
-                <a:solidFill>
-                  <a:srgbClr val="00B0F0"/>
-                </a:solidFill>
-                <a:latin typeface="+mn-ea"/>
-              </a:rPr>
-              <a:t>pip </a:t>
-            </a:r>
-            <a:r>
-              <a:rPr kumimoji="0" lang="en-US" altLang="ko-KR" sz="1600" dirty="0">
-                <a:solidFill>
-                  <a:srgbClr val="00B0F0"/>
-                </a:solidFill>
-                <a:latin typeface="+mn-ea"/>
-              </a:rPr>
-              <a:t>install --user --upgrade pip</a:t>
-            </a:r>
-          </a:p>
-          <a:p>
-            <a:pPr marL="742950" lvl="1" indent="-285750" latinLnBrk="0">
-              <a:lnSpc>
-                <a:spcPct val="150000"/>
-              </a:lnSpc>
+              <a:rPr lang="en-US" altLang="ko-KR" sz="1600" dirty="0" smtClean="0"/>
+              <a:t>Ctrl + Shift + b</a:t>
+            </a:r>
+            <a:endParaRPr lang="en-US" altLang="ko-KR" sz="1400" dirty="0" smtClean="0"/>
+          </a:p>
+          <a:p>
+            <a:pPr lvl="2">
+              <a:lnSpc>
+                <a:spcPct val="150000"/>
+              </a:lnSpc>
+            </a:pPr>
+            <a:endParaRPr kumimoji="0" lang="en-US" altLang="ko-KR" sz="1200" dirty="0">
+              <a:solidFill>
+                <a:srgbClr val="0000FF"/>
+              </a:solidFill>
+              <a:latin typeface="+mn-ea"/>
+            </a:endParaRPr>
+          </a:p>
+          <a:p>
+            <a:pPr marL="800100" lvl="1" indent="-342900">
               <a:buFont typeface="Arial" panose="020B0604020202020204" pitchFamily="34" charset="0"/>
               <a:buChar char="•"/>
             </a:pPr>
-            <a:r>
-              <a:rPr kumimoji="0" lang="en-US" altLang="ko-KR" sz="1600" dirty="0">
-                <a:solidFill>
-                  <a:schemeClr val="tx1"/>
-                </a:solidFill>
-                <a:latin typeface="+mn-ea"/>
-              </a:rPr>
-              <a:t>pip3 install PyQt5</a:t>
-            </a:r>
-          </a:p>
-          <a:p>
-            <a:pPr marL="742950" lvl="1" indent="-285750" latinLnBrk="0">
-              <a:lnSpc>
-                <a:spcPct val="150000"/>
-              </a:lnSpc>
-              <a:buFont typeface="Arial" panose="020B0604020202020204" pitchFamily="34" charset="0"/>
-              <a:buChar char="•"/>
-            </a:pPr>
-            <a:r>
-              <a:rPr kumimoji="0" lang="en-US" altLang="ko-KR" sz="1600" dirty="0">
-                <a:solidFill>
-                  <a:schemeClr val="tx1"/>
-                </a:solidFill>
-                <a:latin typeface="+mn-ea"/>
-              </a:rPr>
-              <a:t>pip install </a:t>
-            </a:r>
-            <a:r>
-              <a:rPr kumimoji="0" lang="en-US" altLang="ko-KR" sz="1600" dirty="0" smtClean="0">
-                <a:solidFill>
-                  <a:schemeClr val="tx1"/>
-                </a:solidFill>
-                <a:latin typeface="+mn-ea"/>
-              </a:rPr>
-              <a:t>PyQt5</a:t>
-            </a:r>
-          </a:p>
-          <a:p>
-            <a:pPr marL="742950" lvl="1" indent="-285750" latinLnBrk="0">
-              <a:lnSpc>
-                <a:spcPct val="150000"/>
-              </a:lnSpc>
-              <a:buFont typeface="Arial" panose="020B0604020202020204" pitchFamily="34" charset="0"/>
-              <a:buChar char="•"/>
-            </a:pPr>
-            <a:r>
-              <a:rPr lang="en-US" altLang="ko-KR" sz="1600" dirty="0">
-                <a:latin typeface="+mn-ea"/>
-              </a:rPr>
-              <a:t>CUDA </a:t>
-            </a:r>
-            <a:r>
-              <a:rPr lang="en-US" altLang="ko-KR" sz="1600" dirty="0" smtClean="0">
-                <a:latin typeface="+mn-ea"/>
-              </a:rPr>
-              <a:t>Toolkit</a:t>
-            </a:r>
-            <a:r>
-              <a:rPr lang="ko-KR" altLang="en-US" sz="1600" dirty="0" smtClean="0">
-                <a:latin typeface="+mn-ea"/>
-              </a:rPr>
-              <a:t> </a:t>
-            </a:r>
-            <a:r>
-              <a:rPr lang="en-US" altLang="ko-KR" sz="1600" dirty="0" smtClean="0">
-                <a:latin typeface="+mn-ea"/>
-              </a:rPr>
-              <a:t>10.1 </a:t>
-            </a:r>
-            <a:r>
-              <a:rPr lang="ko-KR" altLang="en-US" sz="1600" dirty="0" smtClean="0">
-                <a:latin typeface="+mn-ea"/>
-              </a:rPr>
-              <a:t>설치</a:t>
-            </a:r>
-            <a:endParaRPr lang="en-US" altLang="ko-KR" sz="1600" dirty="0">
-              <a:latin typeface="+mn-ea"/>
-            </a:endParaRPr>
-          </a:p>
-          <a:p>
-            <a:pPr marL="742950" lvl="1" indent="-285750" latinLnBrk="0">
-              <a:lnSpc>
-                <a:spcPct val="150000"/>
-              </a:lnSpc>
-              <a:buFont typeface="Arial" panose="020B0604020202020204" pitchFamily="34" charset="0"/>
-              <a:buChar char="•"/>
-            </a:pPr>
-            <a:endParaRPr kumimoji="0" lang="en-US" altLang="ko-KR" sz="1600" dirty="0" smtClean="0">
+            <a:endParaRPr kumimoji="0" lang="en-US" altLang="ko-KR" sz="1200" dirty="0" smtClean="0">
               <a:solidFill>
                 <a:schemeClr val="tx1"/>
               </a:solidFill>
@@ -4520,10 +4246,34 @@
           </a:p>
         </p:txBody>
       </p:sp>
+      <p:pic>
+        <p:nvPicPr>
+          <p:cNvPr id="6" name="그림 5"/>
+          <p:cNvPicPr>
+            <a:picLocks noChangeAspect="1"/>
+          </p:cNvPicPr>
+          <p:nvPr/>
+        </p:nvPicPr>
+        <p:blipFill>
+          <a:blip r:embed="rId3"/>
+          <a:stretch>
+            <a:fillRect/>
+          </a:stretch>
+        </p:blipFill>
+        <p:spPr>
+          <a:xfrm>
+            <a:off x="1271481" y="2996952"/>
+            <a:ext cx="6601039" cy="1728192"/>
+          </a:xfrm>
+          <a:prstGeom prst="rect">
+            <a:avLst/>
+          </a:prstGeom>
+        </p:spPr>
+      </p:pic>
     </p:spTree>
     <p:extLst>
       <p:ext uri="{BB962C8B-B14F-4D97-AF65-F5344CB8AC3E}">
-        <p14:creationId xmlns:p14="http://schemas.microsoft.com/office/powerpoint/2010/main" val="4042693436"/>
+        <p14:creationId xmlns:p14="http://schemas.microsoft.com/office/powerpoint/2010/main" val="2899181094"/>
       </p:ext>
     </p:extLst>
   </p:cSld>
@@ -4580,25 +4330,11 @@
           <a:lstStyle/>
           <a:p>
             <a:r>
-              <a:rPr lang="ko-KR" altLang="en-US" sz="2400" dirty="0" smtClean="0">
+              <a:rPr lang="en-US" altLang="ko-KR" sz="2400" dirty="0" smtClean="0">
                 <a:latin typeface="HY헤드라인M" pitchFamily="18" charset="-127"/>
                 <a:ea typeface="HY헤드라인M" pitchFamily="18" charset="-127"/>
               </a:rPr>
-              <a:t>웹 </a:t>
-            </a:r>
-            <a:r>
-              <a:rPr lang="ko-KR" altLang="en-US" sz="2400" dirty="0" err="1">
-                <a:latin typeface="HY헤드라인M" pitchFamily="18" charset="-127"/>
-                <a:ea typeface="HY헤드라인M" pitchFamily="18" charset="-127"/>
-              </a:rPr>
-              <a:t>크롤러</a:t>
-            </a:r>
-            <a:r>
-              <a:rPr lang="en-US" altLang="ko-KR" sz="2400" dirty="0">
-                <a:latin typeface="HY헤드라인M" pitchFamily="18" charset="-127"/>
-                <a:ea typeface="HY헤드라인M" pitchFamily="18" charset="-127"/>
-              </a:rPr>
-              <a:t>(web crawler)</a:t>
+              <a:t>Jupyter Notebook</a:t>
             </a:r>
             <a:endParaRPr lang="ko-KR" altLang="en-US" sz="2400" dirty="0">
               <a:latin typeface="HY헤드라인M" pitchFamily="18" charset="-127"/>
@@ -4681,15 +4417,96 @@
               <a:buChar char="Ø"/>
             </a:pPr>
             <a:r>
-              <a:rPr lang="ko-KR" altLang="en-US" sz="2000" dirty="0" smtClean="0">
+              <a:rPr lang="en-US" altLang="ko-KR" dirty="0">
                 <a:solidFill>
                   <a:srgbClr val="0000FF"/>
                 </a:solidFill>
                 <a:latin typeface="+mn-ea"/>
               </a:rPr>
-              <a:t>정의</a:t>
-            </a:r>
-            <a:endParaRPr lang="en-US" altLang="ko-KR" sz="2000" dirty="0">
+              <a:t>VS Code Extensions</a:t>
+            </a:r>
+          </a:p>
+          <a:p>
+            <a:pPr marL="742950" lvl="1" indent="-285750" latinLnBrk="0">
+              <a:lnSpc>
+                <a:spcPct val="150000"/>
+              </a:lnSpc>
+              <a:buFont typeface="Arial" panose="020B0604020202020204" pitchFamily="34" charset="0"/>
+              <a:buChar char="•"/>
+            </a:pPr>
+            <a:r>
+              <a:rPr lang="en-US" altLang="ko-KR" sz="1400" dirty="0" smtClean="0">
+                <a:solidFill>
+                  <a:schemeClr val="tx1"/>
+                </a:solidFill>
+              </a:rPr>
+              <a:t>Jupyter</a:t>
+            </a:r>
+            <a:endParaRPr lang="en-US" altLang="ko-KR" sz="1400" dirty="0">
+              <a:solidFill>
+                <a:schemeClr val="tx1"/>
+              </a:solidFill>
+            </a:endParaRPr>
+          </a:p>
+          <a:p>
+            <a:pPr marL="742950" lvl="1" indent="-285750" latinLnBrk="0">
+              <a:lnSpc>
+                <a:spcPct val="150000"/>
+              </a:lnSpc>
+              <a:buFont typeface="Arial" panose="020B0604020202020204" pitchFamily="34" charset="0"/>
+              <a:buChar char="•"/>
+            </a:pPr>
+            <a:r>
+              <a:rPr lang="en-US" altLang="ko-KR" sz="1400" dirty="0">
+                <a:solidFill>
+                  <a:schemeClr val="tx1"/>
+                </a:solidFill>
+              </a:rPr>
+              <a:t>Jupyter Keymap</a:t>
+            </a:r>
+          </a:p>
+          <a:p>
+            <a:pPr marL="742950" lvl="1" indent="-285750" latinLnBrk="0">
+              <a:lnSpc>
+                <a:spcPct val="150000"/>
+              </a:lnSpc>
+              <a:buFont typeface="Arial" panose="020B0604020202020204" pitchFamily="34" charset="0"/>
+              <a:buChar char="•"/>
+            </a:pPr>
+            <a:endParaRPr kumimoji="0" lang="en-US" altLang="ko-KR" sz="1600" dirty="0">
+              <a:solidFill>
+                <a:schemeClr val="tx1"/>
+              </a:solidFill>
+              <a:latin typeface="+mn-ea"/>
+            </a:endParaRPr>
+          </a:p>
+          <a:p>
+            <a:pPr marL="285750" indent="-285750">
+              <a:lnSpc>
+                <a:spcPct val="150000"/>
+              </a:lnSpc>
+              <a:buFont typeface="Wingdings" panose="05000000000000000000" pitchFamily="2" charset="2"/>
+              <a:buChar char="Ø"/>
+            </a:pPr>
+            <a:r>
+              <a:rPr lang="en-US" altLang="ko-KR" dirty="0">
+                <a:solidFill>
+                  <a:srgbClr val="0000FF"/>
+                </a:solidFill>
+                <a:latin typeface="+mn-ea"/>
+              </a:rPr>
+              <a:t>VS Code </a:t>
+            </a:r>
+            <a:r>
+              <a:rPr lang="ko-KR" altLang="en-US" dirty="0">
+                <a:solidFill>
+                  <a:srgbClr val="0000FF"/>
+                </a:solidFill>
+                <a:latin typeface="+mn-ea"/>
+              </a:rPr>
+              <a:t>설정</a:t>
+            </a:r>
+            <a:endParaRPr lang="en-US" altLang="ko-KR" dirty="0">
               <a:solidFill>
                 <a:srgbClr val="0000FF"/>
               </a:solidFill>
@@ -4705,91 +4522,17 @@
               <a:buChar char="•"/>
             </a:pPr>
             <a:r>
-              <a:rPr kumimoji="0" lang="ko-KR" altLang="en-US" sz="1400" dirty="0">
+              <a:rPr lang="en-US" altLang="ko-KR" sz="1400" dirty="0" smtClean="0">
                 <a:solidFill>
                   <a:schemeClr val="tx1"/>
                 </a:solidFill>
-                <a:latin typeface="+mn-ea"/>
-              </a:rPr>
-              <a:t>웹 </a:t>
-            </a:r>
-            <a:r>
-              <a:rPr kumimoji="0" lang="ko-KR" altLang="en-US" sz="1400" dirty="0" err="1">
-                <a:solidFill>
-                  <a:schemeClr val="tx1"/>
-                </a:solidFill>
-                <a:latin typeface="+mn-ea"/>
-              </a:rPr>
-              <a:t>크롤러</a:t>
-            </a:r>
-            <a:r>
-              <a:rPr kumimoji="0" lang="en-US" altLang="ko-KR" sz="1400" dirty="0">
-                <a:solidFill>
-                  <a:schemeClr val="tx1"/>
-                </a:solidFill>
-                <a:latin typeface="+mn-ea"/>
-              </a:rPr>
-              <a:t>(web crawler)</a:t>
-            </a:r>
-            <a:r>
-              <a:rPr kumimoji="0" lang="ko-KR" altLang="en-US" sz="1400" dirty="0">
-                <a:solidFill>
-                  <a:schemeClr val="tx1"/>
-                </a:solidFill>
-                <a:latin typeface="+mn-ea"/>
-              </a:rPr>
-              <a:t>는 조직적</a:t>
-            </a:r>
-            <a:r>
-              <a:rPr kumimoji="0" lang="en-US" altLang="ko-KR" sz="1400" dirty="0">
-                <a:solidFill>
-                  <a:schemeClr val="tx1"/>
-                </a:solidFill>
-                <a:latin typeface="+mn-ea"/>
-              </a:rPr>
-              <a:t>, </a:t>
-            </a:r>
-            <a:r>
-              <a:rPr kumimoji="0" lang="ko-KR" altLang="en-US" sz="1400" dirty="0">
-                <a:solidFill>
-                  <a:schemeClr val="tx1"/>
-                </a:solidFill>
-                <a:latin typeface="+mn-ea"/>
-              </a:rPr>
-              <a:t>자동화된 방법으로 월드 </a:t>
-            </a:r>
-            <a:r>
-              <a:rPr kumimoji="0" lang="ko-KR" altLang="en-US" sz="1400" dirty="0" err="1">
-                <a:solidFill>
-                  <a:schemeClr val="tx1"/>
-                </a:solidFill>
-                <a:latin typeface="+mn-ea"/>
-              </a:rPr>
-              <a:t>와이드</a:t>
-            </a:r>
-            <a:r>
-              <a:rPr kumimoji="0" lang="ko-KR" altLang="en-US" sz="1400" dirty="0">
-                <a:solidFill>
-                  <a:schemeClr val="tx1"/>
-                </a:solidFill>
-                <a:latin typeface="+mn-ea"/>
-              </a:rPr>
-              <a:t> 웹을 탐색하는 컴퓨터 프로그램이다</a:t>
-            </a:r>
-            <a:r>
-              <a:rPr kumimoji="0" lang="en-US" altLang="ko-KR" sz="1400" dirty="0" smtClean="0">
-                <a:solidFill>
-                  <a:schemeClr val="tx1"/>
-                </a:solidFill>
-                <a:latin typeface="+mn-ea"/>
-              </a:rPr>
-              <a:t>.</a:t>
-            </a:r>
-            <a:endParaRPr kumimoji="0" lang="en-US" altLang="ko-KR" sz="1400" dirty="0">
+              </a:rPr>
+              <a:t>ctrl + shift + p</a:t>
+            </a:r>
+            <a:endParaRPr lang="en-US" altLang="ko-KR" sz="1400" dirty="0">
               <a:solidFill>
                 <a:schemeClr val="tx1"/>
               </a:solidFill>
-              <a:latin typeface="+mn-ea"/>
             </a:endParaRPr>
           </a:p>
           <a:p>
@@ -4801,289 +4544,25 @@
               <a:buChar char="•"/>
             </a:pPr>
             <a:r>
-              <a:rPr kumimoji="0" lang="ko-KR" altLang="en-US" sz="1400" dirty="0">
+              <a:rPr lang="en-US" altLang="ko-KR" sz="1400" dirty="0">
                 <a:solidFill>
                   <a:schemeClr val="tx1"/>
                 </a:solidFill>
-                <a:latin typeface="+mn-ea"/>
-              </a:rPr>
-              <a:t>웹 </a:t>
-            </a:r>
-            <a:r>
-              <a:rPr kumimoji="0" lang="ko-KR" altLang="en-US" sz="1400" dirty="0" err="1">
+              </a:rPr>
+              <a:t>Jupyter </a:t>
+            </a:r>
+            <a:r>
+              <a:rPr lang="en-US" altLang="ko-KR" sz="1400" dirty="0" smtClean="0">
                 <a:solidFill>
                   <a:schemeClr val="tx1"/>
                 </a:solidFill>
-                <a:latin typeface="+mn-ea"/>
-              </a:rPr>
-              <a:t>크롤러가</a:t>
-            </a:r>
-            <a:r>
-              <a:rPr kumimoji="0" lang="ko-KR" altLang="en-US" sz="1400" dirty="0">
-                <a:solidFill>
-                  <a:schemeClr val="tx1"/>
-                </a:solidFill>
-                <a:latin typeface="+mn-ea"/>
-              </a:rPr>
-              <a:t> 하는 작업을 </a:t>
-            </a:r>
-            <a:r>
-              <a:rPr kumimoji="0" lang="en-US" altLang="ko-KR" sz="1400" dirty="0">
-                <a:solidFill>
-                  <a:schemeClr val="tx1"/>
-                </a:solidFill>
-                <a:latin typeface="+mn-ea"/>
-              </a:rPr>
-              <a:t>'</a:t>
-            </a:r>
-            <a:r>
-              <a:rPr kumimoji="0" lang="ko-KR" altLang="en-US" sz="1400" dirty="0">
-                <a:solidFill>
-                  <a:schemeClr val="tx1"/>
-                </a:solidFill>
-                <a:latin typeface="+mn-ea"/>
-              </a:rPr>
-              <a:t>웹 </a:t>
-            </a:r>
-            <a:r>
-              <a:rPr kumimoji="0" lang="ko-KR" altLang="en-US" sz="1400" dirty="0" err="1">
-                <a:solidFill>
-                  <a:schemeClr val="tx1"/>
-                </a:solidFill>
-                <a:latin typeface="+mn-ea"/>
-              </a:rPr>
-              <a:t>크롤링</a:t>
-            </a:r>
-            <a:r>
-              <a:rPr kumimoji="0" lang="en-US" altLang="ko-KR" sz="1400" dirty="0">
-                <a:solidFill>
-                  <a:schemeClr val="tx1"/>
-                </a:solidFill>
-                <a:latin typeface="+mn-ea"/>
-              </a:rPr>
-              <a:t>'(web crawling) </a:t>
-            </a:r>
-            <a:r>
-              <a:rPr kumimoji="0" lang="ko-KR" altLang="en-US" sz="1400" dirty="0">
-                <a:solidFill>
-                  <a:schemeClr val="tx1"/>
-                </a:solidFill>
-                <a:latin typeface="+mn-ea"/>
-              </a:rPr>
-              <a:t>혹은 </a:t>
-            </a:r>
-            <a:r>
-              <a:rPr kumimoji="0" lang="en-US" altLang="ko-KR" sz="1400" dirty="0">
-                <a:solidFill>
-                  <a:schemeClr val="tx1"/>
-                </a:solidFill>
-                <a:latin typeface="+mn-ea"/>
-              </a:rPr>
-              <a:t>'</a:t>
-            </a:r>
-            <a:r>
-              <a:rPr kumimoji="0" lang="ko-KR" altLang="en-US" sz="1400" dirty="0" err="1">
-                <a:solidFill>
-                  <a:schemeClr val="tx1"/>
-                </a:solidFill>
-                <a:latin typeface="+mn-ea"/>
-              </a:rPr>
-              <a:t>스파이더링</a:t>
-            </a:r>
-            <a:r>
-              <a:rPr kumimoji="0" lang="en-US" altLang="ko-KR" sz="1400" dirty="0">
-                <a:solidFill>
-                  <a:schemeClr val="tx1"/>
-                </a:solidFill>
-                <a:latin typeface="+mn-ea"/>
-              </a:rPr>
-              <a:t>'(</a:t>
-            </a:r>
-            <a:r>
-              <a:rPr kumimoji="0" lang="en-US" altLang="ko-KR" sz="1400" dirty="0" err="1">
-                <a:solidFill>
-                  <a:schemeClr val="tx1"/>
-                </a:solidFill>
-                <a:latin typeface="+mn-ea"/>
-              </a:rPr>
-              <a:t>spidering</a:t>
-            </a:r>
-            <a:r>
-              <a:rPr kumimoji="0" lang="en-US" altLang="ko-KR" sz="1400" dirty="0">
-                <a:solidFill>
-                  <a:schemeClr val="tx1"/>
-                </a:solidFill>
-                <a:latin typeface="+mn-ea"/>
-              </a:rPr>
-              <a:t>)</a:t>
-            </a:r>
-            <a:r>
-              <a:rPr kumimoji="0" lang="ko-KR" altLang="en-US" sz="1400" dirty="0">
-                <a:solidFill>
-                  <a:schemeClr val="tx1"/>
-                </a:solidFill>
-                <a:latin typeface="+mn-ea"/>
-              </a:rPr>
-              <a:t>이라 부른다</a:t>
-            </a:r>
-            <a:r>
-              <a:rPr kumimoji="0" lang="en-US" altLang="ko-KR" sz="1400" dirty="0">
-                <a:solidFill>
-                  <a:schemeClr val="tx1"/>
-                </a:solidFill>
-                <a:latin typeface="+mn-ea"/>
-              </a:rPr>
-              <a:t>. </a:t>
-            </a:r>
-            <a:r>
-              <a:rPr kumimoji="0" lang="ko-KR" altLang="en-US" sz="1400" dirty="0">
-                <a:solidFill>
-                  <a:schemeClr val="tx1"/>
-                </a:solidFill>
-                <a:latin typeface="+mn-ea"/>
-              </a:rPr>
-              <a:t>검색 엔진과 같은 여러 사이트에서는 데이터의 최신 상태 유지를 위해 웹 크롤링한다</a:t>
-            </a:r>
-            <a:r>
-              <a:rPr kumimoji="0" lang="en-US" altLang="ko-KR" sz="1400" dirty="0">
-                <a:solidFill>
-                  <a:schemeClr val="tx1"/>
-                </a:solidFill>
-                <a:latin typeface="+mn-ea"/>
-              </a:rPr>
-              <a:t>. </a:t>
-            </a:r>
-            <a:r>
-              <a:rPr kumimoji="0" lang="ko-KR" altLang="en-US" sz="1400" dirty="0">
-                <a:solidFill>
-                  <a:schemeClr val="tx1"/>
-                </a:solidFill>
-                <a:latin typeface="+mn-ea"/>
-              </a:rPr>
-              <a:t>웹 </a:t>
-            </a:r>
-            <a:r>
-              <a:rPr kumimoji="0" lang="ko-KR" altLang="en-US" sz="1400" dirty="0" err="1">
-                <a:solidFill>
-                  <a:schemeClr val="tx1"/>
-                </a:solidFill>
-                <a:latin typeface="+mn-ea"/>
-              </a:rPr>
-              <a:t>크롤러는</a:t>
-            </a:r>
-            <a:r>
-              <a:rPr kumimoji="0" lang="ko-KR" altLang="en-US" sz="1400" dirty="0">
-                <a:solidFill>
-                  <a:schemeClr val="tx1"/>
-                </a:solidFill>
-                <a:latin typeface="+mn-ea"/>
-              </a:rPr>
-              <a:t> 대체로 방문한 사이트의 모든 페이지의 복사본을 생성하는 데 사용되며</a:t>
-            </a:r>
-            <a:r>
-              <a:rPr kumimoji="0" lang="en-US" altLang="ko-KR" sz="1400" dirty="0">
-                <a:solidFill>
-                  <a:schemeClr val="tx1"/>
-                </a:solidFill>
-                <a:latin typeface="+mn-ea"/>
-              </a:rPr>
-              <a:t>, </a:t>
-            </a:r>
-            <a:r>
-              <a:rPr kumimoji="0" lang="ko-KR" altLang="en-US" sz="1400" dirty="0">
-                <a:solidFill>
-                  <a:schemeClr val="tx1"/>
-                </a:solidFill>
-                <a:latin typeface="+mn-ea"/>
-              </a:rPr>
-              <a:t>검색 엔진은 이렇게 생성된 페이지를 보다 빠른 검색을 위해 인덱싱한다</a:t>
-            </a:r>
-            <a:r>
-              <a:rPr kumimoji="0" lang="en-US" altLang="ko-KR" sz="1400" dirty="0">
-                <a:solidFill>
-                  <a:schemeClr val="tx1"/>
-                </a:solidFill>
-                <a:latin typeface="+mn-ea"/>
-              </a:rPr>
-              <a:t>. </a:t>
-            </a:r>
-            <a:r>
-              <a:rPr kumimoji="0" lang="ko-KR" altLang="en-US" sz="1400" dirty="0">
-                <a:solidFill>
-                  <a:schemeClr val="tx1"/>
-                </a:solidFill>
-                <a:latin typeface="+mn-ea"/>
-              </a:rPr>
-              <a:t>또한 </a:t>
-            </a:r>
-            <a:r>
-              <a:rPr kumimoji="0" lang="ko-KR" altLang="en-US" sz="1400" dirty="0" err="1">
-                <a:solidFill>
-                  <a:schemeClr val="tx1"/>
-                </a:solidFill>
-                <a:latin typeface="+mn-ea"/>
-              </a:rPr>
-              <a:t>크롤러는</a:t>
-            </a:r>
-            <a:r>
-              <a:rPr kumimoji="0" lang="ko-KR" altLang="en-US" sz="1400" dirty="0">
-                <a:solidFill>
-                  <a:schemeClr val="tx1"/>
-                </a:solidFill>
-                <a:latin typeface="+mn-ea"/>
-              </a:rPr>
-              <a:t> 링크 체크나 </a:t>
-            </a:r>
-            <a:r>
-              <a:rPr kumimoji="0" lang="en-US" altLang="ko-KR" sz="1400" dirty="0">
-                <a:solidFill>
-                  <a:schemeClr val="tx1"/>
-                </a:solidFill>
-                <a:latin typeface="+mn-ea"/>
-              </a:rPr>
-              <a:t>HTML </a:t>
-            </a:r>
-            <a:r>
-              <a:rPr kumimoji="0" lang="ko-KR" altLang="en-US" sz="1400" dirty="0">
-                <a:solidFill>
-                  <a:schemeClr val="tx1"/>
-                </a:solidFill>
-                <a:latin typeface="+mn-ea"/>
-              </a:rPr>
-              <a:t>코드 검증과 같은 웹 사이트의 자동 유지 관리 작업을 위해 사용되기도 하며</a:t>
-            </a:r>
-            <a:r>
-              <a:rPr kumimoji="0" lang="en-US" altLang="ko-KR" sz="1400" dirty="0">
-                <a:solidFill>
-                  <a:schemeClr val="tx1"/>
-                </a:solidFill>
-                <a:latin typeface="+mn-ea"/>
-              </a:rPr>
-              <a:t>, </a:t>
-            </a:r>
-            <a:r>
-              <a:rPr kumimoji="0" lang="ko-KR" altLang="en-US" sz="1400" dirty="0">
-                <a:solidFill>
-                  <a:schemeClr val="tx1"/>
-                </a:solidFill>
-                <a:latin typeface="+mn-ea"/>
-              </a:rPr>
-              <a:t>자동 이메일 수집과 같은 웹 페이지의 특정 형태의 정보를 수집하는 데도 사용된다</a:t>
-            </a:r>
-            <a:r>
-              <a:rPr kumimoji="0" lang="en-US" altLang="ko-KR" sz="1400" dirty="0" smtClean="0">
-                <a:solidFill>
-                  <a:schemeClr val="tx1"/>
-                </a:solidFill>
-                <a:latin typeface="+mn-ea"/>
-              </a:rPr>
-              <a:t>.</a:t>
-            </a:r>
-            <a:endParaRPr kumimoji="0" lang="en-US" altLang="ko-KR" sz="1400" dirty="0">
+              </a:rPr>
+              <a:t>: Create Interactive Window</a:t>
+            </a:r>
+            <a:endParaRPr lang="en-US" altLang="ko-KR" sz="1400" dirty="0">
               <a:solidFill>
                 <a:schemeClr val="tx1"/>
               </a:solidFill>
-              <a:latin typeface="+mn-ea"/>
             </a:endParaRPr>
           </a:p>
           <a:p>
@@ -5095,211 +4574,89 @@
               <a:buChar char="•"/>
             </a:pPr>
             <a:r>
-              <a:rPr kumimoji="0" lang="ko-KR" altLang="en-US" sz="1400" dirty="0">
+              <a:rPr lang="en-US" altLang="ko-KR" sz="1400" dirty="0">
                 <a:solidFill>
                   <a:schemeClr val="tx1"/>
                 </a:solidFill>
-                <a:latin typeface="+mn-ea"/>
-              </a:rPr>
-              <a:t>웹 </a:t>
-            </a:r>
-            <a:r>
-              <a:rPr kumimoji="0" lang="ko-KR" altLang="en-US" sz="1400" dirty="0" err="1">
+              </a:rPr>
+              <a:t>Python 3.10.10 </a:t>
+            </a:r>
+            <a:r>
+              <a:rPr lang="en-US" altLang="ko-KR" sz="1400" dirty="0" smtClean="0">
                 <a:solidFill>
                   <a:schemeClr val="tx1"/>
                 </a:solidFill>
-                <a:latin typeface="+mn-ea"/>
-              </a:rPr>
-              <a:t>크롤러는</a:t>
-            </a:r>
-            <a:r>
-              <a:rPr kumimoji="0" lang="ko-KR" altLang="en-US" sz="1400" dirty="0">
-                <a:solidFill>
-                  <a:schemeClr val="tx1"/>
-                </a:solidFill>
-                <a:latin typeface="+mn-ea"/>
-              </a:rPr>
-              <a:t> 봇이나 소프트웨어 에이전트의 한 형태이다</a:t>
-            </a:r>
-            <a:r>
-              <a:rPr kumimoji="0" lang="en-US" altLang="ko-KR" sz="1400" dirty="0">
-                <a:solidFill>
-                  <a:schemeClr val="tx1"/>
-                </a:solidFill>
-                <a:latin typeface="+mn-ea"/>
-              </a:rPr>
-              <a:t>. </a:t>
-            </a:r>
-            <a:r>
-              <a:rPr kumimoji="0" lang="ko-KR" altLang="en-US" sz="1400" dirty="0">
-                <a:solidFill>
-                  <a:schemeClr val="tx1"/>
-                </a:solidFill>
-                <a:latin typeface="+mn-ea"/>
-              </a:rPr>
-              <a:t>웹 </a:t>
-            </a:r>
-            <a:r>
-              <a:rPr kumimoji="0" lang="ko-KR" altLang="en-US" sz="1400" dirty="0" err="1">
-                <a:solidFill>
-                  <a:schemeClr val="tx1"/>
-                </a:solidFill>
-                <a:latin typeface="+mn-ea"/>
-              </a:rPr>
-              <a:t>크롤러는</a:t>
-            </a:r>
-            <a:r>
-              <a:rPr kumimoji="0" lang="ko-KR" altLang="en-US" sz="1400" dirty="0">
-                <a:solidFill>
-                  <a:schemeClr val="tx1"/>
-                </a:solidFill>
-                <a:latin typeface="+mn-ea"/>
-              </a:rPr>
-              <a:t> 대개 시드</a:t>
-            </a:r>
-            <a:r>
-              <a:rPr kumimoji="0" lang="en-US" altLang="ko-KR" sz="1400" dirty="0">
-                <a:solidFill>
-                  <a:schemeClr val="tx1"/>
-                </a:solidFill>
-                <a:latin typeface="+mn-ea"/>
-              </a:rPr>
-              <a:t>(seeds)</a:t>
-            </a:r>
-            <a:r>
-              <a:rPr kumimoji="0" lang="ko-KR" altLang="en-US" sz="1400" dirty="0">
-                <a:solidFill>
-                  <a:schemeClr val="tx1"/>
-                </a:solidFill>
-                <a:latin typeface="+mn-ea"/>
-              </a:rPr>
-              <a:t>라고 불리는 </a:t>
-            </a:r>
-            <a:r>
-              <a:rPr kumimoji="0" lang="en-US" altLang="ko-KR" sz="1400" dirty="0">
-                <a:solidFill>
-                  <a:schemeClr val="tx1"/>
-                </a:solidFill>
-                <a:latin typeface="+mn-ea"/>
-              </a:rPr>
-              <a:t>URL </a:t>
-            </a:r>
-            <a:r>
-              <a:rPr kumimoji="0" lang="ko-KR" altLang="en-US" sz="1400" dirty="0">
-                <a:solidFill>
-                  <a:schemeClr val="tx1"/>
-                </a:solidFill>
-                <a:latin typeface="+mn-ea"/>
-              </a:rPr>
-              <a:t>리스트에서부터 시작하는데</a:t>
-            </a:r>
-            <a:r>
-              <a:rPr kumimoji="0" lang="en-US" altLang="ko-KR" sz="1400" dirty="0">
-                <a:solidFill>
-                  <a:schemeClr val="tx1"/>
-                </a:solidFill>
-                <a:latin typeface="+mn-ea"/>
-              </a:rPr>
-              <a:t>, </a:t>
-            </a:r>
-            <a:r>
-              <a:rPr kumimoji="0" lang="ko-KR" altLang="en-US" sz="1400" dirty="0">
-                <a:solidFill>
-                  <a:schemeClr val="tx1"/>
-                </a:solidFill>
-                <a:latin typeface="+mn-ea"/>
-              </a:rPr>
-              <a:t>페이지의 모든 하이퍼링크를 인식하여 </a:t>
-            </a:r>
-            <a:r>
-              <a:rPr kumimoji="0" lang="en-US" altLang="ko-KR" sz="1400" dirty="0">
-                <a:solidFill>
-                  <a:schemeClr val="tx1"/>
-                </a:solidFill>
-                <a:latin typeface="+mn-ea"/>
-              </a:rPr>
-              <a:t>URL </a:t>
-            </a:r>
-            <a:r>
-              <a:rPr kumimoji="0" lang="ko-KR" altLang="en-US" sz="1400" dirty="0">
-                <a:solidFill>
-                  <a:schemeClr val="tx1"/>
-                </a:solidFill>
-                <a:latin typeface="+mn-ea"/>
-              </a:rPr>
-              <a:t>리스트를 갱신한다</a:t>
-            </a:r>
-            <a:r>
-              <a:rPr kumimoji="0" lang="en-US" altLang="ko-KR" sz="1400" dirty="0">
-                <a:solidFill>
-                  <a:schemeClr val="tx1"/>
-                </a:solidFill>
-                <a:latin typeface="+mn-ea"/>
-              </a:rPr>
-              <a:t>. </a:t>
-            </a:r>
-            <a:r>
-              <a:rPr kumimoji="0" lang="ko-KR" altLang="en-US" sz="1400" dirty="0">
-                <a:solidFill>
-                  <a:schemeClr val="tx1"/>
-                </a:solidFill>
-                <a:latin typeface="+mn-ea"/>
-              </a:rPr>
-              <a:t>갱신된 </a:t>
-            </a:r>
-            <a:r>
-              <a:rPr kumimoji="0" lang="en-US" altLang="ko-KR" sz="1400" dirty="0">
-                <a:solidFill>
-                  <a:schemeClr val="tx1"/>
-                </a:solidFill>
-                <a:latin typeface="+mn-ea"/>
-              </a:rPr>
-              <a:t>URL </a:t>
-            </a:r>
-            <a:r>
-              <a:rPr kumimoji="0" lang="ko-KR" altLang="en-US" sz="1400" dirty="0">
-                <a:solidFill>
-                  <a:schemeClr val="tx1"/>
-                </a:solidFill>
-                <a:latin typeface="+mn-ea"/>
-              </a:rPr>
-              <a:t>리스트는 재귀적으로 다시 방문한다</a:t>
-            </a:r>
-            <a:r>
-              <a:rPr kumimoji="0" lang="en-US" altLang="ko-KR" sz="1400" dirty="0">
-                <a:solidFill>
-                  <a:schemeClr val="tx1"/>
-                </a:solidFill>
-                <a:latin typeface="+mn-ea"/>
-              </a:rPr>
-              <a:t>.</a:t>
-            </a:r>
-            <a:endParaRPr kumimoji="0" lang="en-US" altLang="ko-KR" sz="1400" dirty="0" smtClean="0">
+              </a:rPr>
+              <a:t>64-bit</a:t>
+            </a:r>
+          </a:p>
+          <a:p>
+            <a:pPr marL="742950" lvl="1" indent="-285750" latinLnBrk="0">
+              <a:lnSpc>
+                <a:spcPct val="150000"/>
+              </a:lnSpc>
+              <a:buFont typeface="Arial" panose="020B0604020202020204" pitchFamily="34" charset="0"/>
+              <a:buChar char="•"/>
+            </a:pPr>
+            <a:endParaRPr lang="en-US" altLang="ko-KR" sz="1400" dirty="0">
               <a:solidFill>
                 <a:schemeClr val="tx1"/>
               </a:solidFill>
+            </a:endParaRPr>
+          </a:p>
+          <a:p>
+            <a:pPr marL="285750" indent="-285750">
+              <a:lnSpc>
+                <a:spcPct val="150000"/>
+              </a:lnSpc>
+              <a:buFont typeface="Wingdings" panose="05000000000000000000" pitchFamily="2" charset="2"/>
+              <a:buChar char="Ø"/>
+            </a:pPr>
+            <a:r>
+              <a:rPr lang="en-US" altLang="ko-KR" dirty="0" smtClean="0">
+                <a:solidFill>
+                  <a:srgbClr val="0000FF"/>
+                </a:solidFill>
+                <a:latin typeface="+mn-ea"/>
+              </a:rPr>
+              <a:t>Jupyter </a:t>
+            </a:r>
+            <a:r>
+              <a:rPr lang="ko-KR" altLang="en-US" dirty="0" smtClean="0">
+                <a:solidFill>
+                  <a:srgbClr val="0000FF"/>
+                </a:solidFill>
+                <a:latin typeface="+mn-ea"/>
+              </a:rPr>
+              <a:t>실행</a:t>
+            </a:r>
+            <a:endParaRPr lang="en-US" altLang="ko-KR" dirty="0">
+              <a:solidFill>
+                <a:srgbClr val="0000FF"/>
+              </a:solidFill>
               <a:latin typeface="+mn-ea"/>
             </a:endParaRPr>
           </a:p>
           <a:p>
-            <a:pPr lvl="1"/>
-            <a:endParaRPr kumimoji="0" lang="en-US" altLang="ko-KR" sz="1000" dirty="0" smtClean="0">
+            <a:pPr marL="742950" lvl="1" indent="-285750" latinLnBrk="0">
+              <a:lnSpc>
+                <a:spcPct val="150000"/>
+              </a:lnSpc>
+              <a:buFont typeface="Arial" panose="020B0604020202020204" pitchFamily="34" charset="0"/>
+              <a:buChar char="•"/>
+            </a:pPr>
+            <a:r>
+              <a:rPr lang="en-US" altLang="ko-KR" sz="1400" dirty="0" smtClean="0">
+                <a:solidFill>
+                  <a:schemeClr val="tx1"/>
+                </a:solidFill>
+              </a:rPr>
+              <a:t>ctrl + alt + enter</a:t>
+            </a:r>
+            <a:endParaRPr lang="en-US" altLang="ko-KR" sz="1400" dirty="0">
               <a:solidFill>
                 <a:schemeClr val="tx1"/>
               </a:solidFill>
-              <a:latin typeface="+mn-ea"/>
-            </a:endParaRPr>
-          </a:p>
-          <a:p>
-            <a:pPr marL="800100" lvl="1" indent="-342900">
-              <a:buFont typeface="Arial" panose="020B0604020202020204" pitchFamily="34" charset="0"/>
-              <a:buChar char="•"/>
-            </a:pPr>
-            <a:endParaRPr kumimoji="0" lang="en-US" altLang="ko-KR" sz="1000" dirty="0" smtClean="0">
-              <a:solidFill>
-                <a:schemeClr val="tx1"/>
-              </a:solidFill>
-              <a:latin typeface="+mn-ea"/>
             </a:endParaRPr>
           </a:p>
         </p:txBody>
@@ -5307,7 +4664,7 @@
     </p:spTree>
     <p:extLst>
       <p:ext uri="{BB962C8B-B14F-4D97-AF65-F5344CB8AC3E}">
-        <p14:creationId xmlns:p14="http://schemas.microsoft.com/office/powerpoint/2010/main" val="419035567"/>
+        <p14:creationId xmlns:p14="http://schemas.microsoft.com/office/powerpoint/2010/main" val="2220336296"/>
       </p:ext>
     </p:extLst>
   </p:cSld>
@@ -5364,25 +4721,11 @@
           <a:lstStyle/>
           <a:p>
             <a:r>
-              <a:rPr lang="ko-KR" altLang="en-US" sz="2400" dirty="0">
+              <a:rPr lang="en-US" altLang="ko-KR" sz="2400" dirty="0" err="1">
                 <a:latin typeface="HY헤드라인M" pitchFamily="18" charset="-127"/>
                 <a:ea typeface="HY헤드라인M" pitchFamily="18" charset="-127"/>
               </a:rPr>
-              <a:t>웹 </a:t>
-            </a:r>
-            <a:r>
-              <a:rPr lang="ko-KR" altLang="en-US" sz="2400" dirty="0" err="1" smtClean="0">
-                <a:latin typeface="HY헤드라인M" pitchFamily="18" charset="-127"/>
-                <a:ea typeface="HY헤드라인M" pitchFamily="18" charset="-127"/>
-              </a:rPr>
-              <a:t>크롤러</a:t>
-            </a:r>
-            <a:r>
-              <a:rPr lang="ko-KR" altLang="en-US" sz="2400" dirty="0" smtClean="0">
-                <a:latin typeface="HY헤드라인M" pitchFamily="18" charset="-127"/>
-                <a:ea typeface="HY헤드라인M" pitchFamily="18" charset="-127"/>
-              </a:rPr>
-              <a:t> 모듈</a:t>
+              <a:t>matplotlib</a:t>
             </a:r>
             <a:endParaRPr lang="ko-KR" altLang="en-US" sz="2400" dirty="0">
               <a:latin typeface="HY헤드라인M" pitchFamily="18" charset="-127"/>
@@ -5465,15 +4808,24 @@
               <a:buChar char="Ø"/>
             </a:pPr>
             <a:r>
-              <a:rPr lang="ko-KR" altLang="en-US" sz="2000" dirty="0" smtClean="0">
+              <a:rPr lang="en-US" altLang="ko-KR" dirty="0" smtClean="0">
                 <a:solidFill>
                   <a:srgbClr val="0000FF"/>
                 </a:solidFill>
                 <a:latin typeface="+mn-ea"/>
               </a:rPr>
-              <a:t>모듈 설치</a:t>
-            </a:r>
-            <a:endParaRPr lang="en-US" altLang="ko-KR" sz="2000" dirty="0">
+              <a:t>Font </a:t>
+            </a:r>
+            <a:r>
+              <a:rPr lang="ko-KR" altLang="en-US" dirty="0" smtClean="0">
+                <a:solidFill>
+                  <a:srgbClr val="0000FF"/>
+                </a:solidFill>
+                <a:latin typeface="+mn-ea"/>
+              </a:rPr>
+              <a:t>설정</a:t>
+            </a:r>
+            <a:endParaRPr lang="en-US" altLang="ko-KR" dirty="0">
               <a:solidFill>
                 <a:srgbClr val="0000FF"/>
               </a:solidFill>
@@ -5489,38 +4841,250 @@
               <a:buChar char="•"/>
             </a:pPr>
             <a:r>
-              <a:rPr lang="en-US" altLang="ko-KR" sz="1600" dirty="0" err="1" smtClean="0">
+              <a:rPr lang="en-US" altLang="ko-KR" sz="1400" dirty="0">
                 <a:solidFill>
                   <a:schemeClr val="tx1"/>
                 </a:solidFill>
               </a:rPr>
-              <a:t>conda</a:t>
-            </a:r>
-            <a:r>
-              <a:rPr lang="en-US" altLang="ko-KR" sz="1600" dirty="0" smtClean="0">
+              <a:t>C:\</a:t>
+            </a:r>
+            <a:r>
+              <a:rPr lang="en-US" altLang="ko-KR" sz="1400" dirty="0" smtClean="0">
                 <a:solidFill>
                   <a:schemeClr val="tx1"/>
                 </a:solidFill>
               </a:rPr>
-              <a:t> </a:t>
-            </a:r>
-            <a:r>
-              <a:rPr lang="en-US" altLang="ko-KR" sz="1600" dirty="0">
+              <a:t>Users\jsh\AppData\Local\Programs\Python\Python310\Lib\site-packages\matplotlib\mpl-data</a:t>
+            </a:r>
+          </a:p>
+          <a:p>
+            <a:pPr marL="1200150" lvl="2" indent="-285750" latinLnBrk="0">
+              <a:lnSpc>
+                <a:spcPct val="150000"/>
+              </a:lnSpc>
+              <a:buFont typeface="Wingdings" panose="05000000000000000000" pitchFamily="2" charset="2"/>
+              <a:buChar char="ü"/>
+            </a:pPr>
+            <a:r>
+              <a:rPr lang="en-US" altLang="ko-KR" sz="1200" dirty="0">
+                <a:solidFill>
+                  <a:srgbClr val="FF0000"/>
+                </a:solidFill>
+              </a:rPr>
+              <a:t>#</a:t>
+            </a:r>
+            <a:r>
+              <a:rPr lang="en-US" altLang="ko-KR" sz="1200" dirty="0" err="1">
+                <a:solidFill>
+                  <a:srgbClr val="FF0000"/>
+                </a:solidFill>
+              </a:rPr>
+              <a:t>font.family</a:t>
+            </a:r>
+            <a:r>
+              <a:rPr lang="en-US" altLang="ko-KR" sz="1200" dirty="0">
+                <a:solidFill>
+                  <a:srgbClr val="FF0000"/>
+                </a:solidFill>
+              </a:rPr>
+              <a:t>:  </a:t>
+            </a:r>
+            <a:r>
+              <a:rPr lang="en-US" altLang="ko-KR" sz="1200" dirty="0" err="1">
+                <a:solidFill>
+                  <a:srgbClr val="FF0000"/>
+                </a:solidFill>
+              </a:rPr>
+              <a:t>NanumGothic</a:t>
+            </a:r>
+            <a:endParaRPr lang="en-US" altLang="ko-KR" sz="1200" dirty="0">
+              <a:solidFill>
+                <a:srgbClr val="FF0000"/>
+              </a:solidFill>
+            </a:endParaRPr>
+          </a:p>
+          <a:p>
+            <a:pPr marL="1200150" lvl="2" indent="-285750" latinLnBrk="0">
+              <a:lnSpc>
+                <a:spcPct val="150000"/>
+              </a:lnSpc>
+              <a:buFont typeface="Wingdings" panose="05000000000000000000" pitchFamily="2" charset="2"/>
+              <a:buChar char="ü"/>
+            </a:pPr>
+            <a:r>
+              <a:rPr lang="en-US" altLang="ko-KR" sz="1200" dirty="0">
                 <a:solidFill>
                   <a:schemeClr val="tx1"/>
                 </a:solidFill>
               </a:rPr>
-              <a:t>install </a:t>
-            </a:r>
-            <a:r>
-              <a:rPr lang="en-US" altLang="ko-KR" sz="1600" dirty="0" err="1" smtClean="0">
+              <a:t>#</a:t>
+            </a:r>
+            <a:r>
+              <a:rPr lang="en-US" altLang="ko-KR" sz="1200" dirty="0" err="1">
                 <a:solidFill>
                   <a:schemeClr val="tx1"/>
                 </a:solidFill>
               </a:rPr>
-              <a:t>pyautogui</a:t>
-            </a:r>
-            <a:endParaRPr lang="en-US" altLang="ko-KR" sz="1600" dirty="0" smtClean="0">
+              <a:t>font.style</a:t>
+            </a:r>
+            <a:r>
+              <a:rPr lang="en-US" altLang="ko-KR" sz="1200" dirty="0">
+                <a:solidFill>
+                  <a:schemeClr val="tx1"/>
+                </a:solidFill>
+              </a:rPr>
+              <a:t>:   normal</a:t>
+            </a:r>
+          </a:p>
+          <a:p>
+            <a:pPr marL="1200150" lvl="2" indent="-285750" latinLnBrk="0">
+              <a:lnSpc>
+                <a:spcPct val="150000"/>
+              </a:lnSpc>
+              <a:buFont typeface="Wingdings" panose="05000000000000000000" pitchFamily="2" charset="2"/>
+              <a:buChar char="ü"/>
+            </a:pPr>
+            <a:r>
+              <a:rPr lang="en-US" altLang="ko-KR" sz="1200" dirty="0">
+                <a:solidFill>
+                  <a:schemeClr val="tx1"/>
+                </a:solidFill>
+              </a:rPr>
+              <a:t>#</a:t>
+            </a:r>
+            <a:r>
+              <a:rPr lang="en-US" altLang="ko-KR" sz="1200" dirty="0" err="1">
+                <a:solidFill>
+                  <a:schemeClr val="tx1"/>
+                </a:solidFill>
+              </a:rPr>
+              <a:t>font.variant</a:t>
+            </a:r>
+            <a:r>
+              <a:rPr lang="en-US" altLang="ko-KR" sz="1200" dirty="0">
+                <a:solidFill>
+                  <a:schemeClr val="tx1"/>
+                </a:solidFill>
+              </a:rPr>
+              <a:t>: normal</a:t>
+            </a:r>
+          </a:p>
+          <a:p>
+            <a:pPr marL="1200150" lvl="2" indent="-285750" latinLnBrk="0">
+              <a:lnSpc>
+                <a:spcPct val="150000"/>
+              </a:lnSpc>
+              <a:buFont typeface="Wingdings" panose="05000000000000000000" pitchFamily="2" charset="2"/>
+              <a:buChar char="ü"/>
+            </a:pPr>
+            <a:r>
+              <a:rPr lang="en-US" altLang="ko-KR" sz="1200" dirty="0">
+                <a:solidFill>
+                  <a:schemeClr val="tx1"/>
+                </a:solidFill>
+              </a:rPr>
+              <a:t>#</a:t>
+            </a:r>
+            <a:r>
+              <a:rPr lang="en-US" altLang="ko-KR" sz="1200" dirty="0" err="1">
+                <a:solidFill>
+                  <a:schemeClr val="tx1"/>
+                </a:solidFill>
+              </a:rPr>
+              <a:t>font.weight</a:t>
+            </a:r>
+            <a:r>
+              <a:rPr lang="en-US" altLang="ko-KR" sz="1200" dirty="0">
+                <a:solidFill>
+                  <a:schemeClr val="tx1"/>
+                </a:solidFill>
+              </a:rPr>
+              <a:t>:  normal</a:t>
+            </a:r>
+          </a:p>
+          <a:p>
+            <a:pPr marL="1200150" lvl="2" indent="-285750" latinLnBrk="0">
+              <a:lnSpc>
+                <a:spcPct val="150000"/>
+              </a:lnSpc>
+              <a:buFont typeface="Wingdings" panose="05000000000000000000" pitchFamily="2" charset="2"/>
+              <a:buChar char="ü"/>
+            </a:pPr>
+            <a:r>
+              <a:rPr lang="en-US" altLang="ko-KR" sz="1200" dirty="0">
+                <a:solidFill>
+                  <a:schemeClr val="tx1"/>
+                </a:solidFill>
+              </a:rPr>
+              <a:t>#</a:t>
+            </a:r>
+            <a:r>
+              <a:rPr lang="en-US" altLang="ko-KR" sz="1200" dirty="0" err="1">
+                <a:solidFill>
+                  <a:schemeClr val="tx1"/>
+                </a:solidFill>
+              </a:rPr>
+              <a:t>font.stretch</a:t>
+            </a:r>
+            <a:r>
+              <a:rPr lang="en-US" altLang="ko-KR" sz="1200" dirty="0">
+                <a:solidFill>
+                  <a:schemeClr val="tx1"/>
+                </a:solidFill>
+              </a:rPr>
+              <a:t>: normal</a:t>
+            </a:r>
+          </a:p>
+          <a:p>
+            <a:pPr marL="1200150" lvl="2" indent="-285750" latinLnBrk="0">
+              <a:lnSpc>
+                <a:spcPct val="150000"/>
+              </a:lnSpc>
+              <a:buFont typeface="Wingdings" panose="05000000000000000000" pitchFamily="2" charset="2"/>
+              <a:buChar char="ü"/>
+            </a:pPr>
+            <a:r>
+              <a:rPr lang="en-US" altLang="ko-KR" sz="1200" dirty="0">
+                <a:solidFill>
+                  <a:schemeClr val="tx1"/>
+                </a:solidFill>
+              </a:rPr>
+              <a:t>#</a:t>
+            </a:r>
+            <a:r>
+              <a:rPr lang="en-US" altLang="ko-KR" sz="1200" dirty="0" err="1">
+                <a:solidFill>
+                  <a:schemeClr val="tx1"/>
+                </a:solidFill>
+              </a:rPr>
+              <a:t>font.size</a:t>
+            </a:r>
+            <a:r>
+              <a:rPr lang="en-US" altLang="ko-KR" sz="1200" dirty="0">
+                <a:solidFill>
+                  <a:schemeClr val="tx1"/>
+                </a:solidFill>
+              </a:rPr>
+              <a:t>:    </a:t>
+            </a:r>
+            <a:r>
+              <a:rPr lang="en-US" altLang="ko-KR" sz="1200" dirty="0" smtClean="0">
+                <a:solidFill>
+                  <a:schemeClr val="tx1"/>
+                </a:solidFill>
+              </a:rPr>
+              <a:t>10.0</a:t>
+            </a:r>
+          </a:p>
+          <a:p>
+            <a:pPr marL="742950" lvl="1" indent="-285750" latinLnBrk="0">
+              <a:lnSpc>
+                <a:spcPct val="150000"/>
+              </a:lnSpc>
+              <a:buFont typeface="Arial" panose="020B0604020202020204" pitchFamily="34" charset="0"/>
+              <a:buChar char="•"/>
+            </a:pPr>
+            <a:endParaRPr lang="en-US" altLang="ko-KR" sz="1400" dirty="0" smtClean="0">
               <a:solidFill>
                 <a:schemeClr val="tx1"/>
               </a:solidFill>
@@ -5535,41 +5099,113 @@
               <a:buChar char="•"/>
             </a:pPr>
             <a:r>
-              <a:rPr kumimoji="0" lang="en-US" altLang="ko-KR" sz="1600" dirty="0">
+              <a:rPr lang="en-US" altLang="ko-KR" sz="1400" dirty="0">
                 <a:solidFill>
                   <a:schemeClr val="tx1"/>
                 </a:solidFill>
-                <a:latin typeface="+mn-ea"/>
-              </a:rPr>
-              <a:t>p</a:t>
-            </a:r>
-            <a:r>
-              <a:rPr kumimoji="0" lang="en-US" altLang="ko-KR" sz="1600" dirty="0" smtClean="0">
+              </a:rPr>
+              <a:t>C:\</a:t>
+            </a:r>
+            <a:r>
+              <a:rPr lang="en-US" altLang="ko-KR" sz="1400" dirty="0" smtClean="0">
                 <a:solidFill>
                   <a:schemeClr val="tx1"/>
                 </a:solidFill>
-                <a:latin typeface="+mn-ea"/>
-              </a:rPr>
-              <a:t>ip </a:t>
-            </a:r>
-            <a:r>
-              <a:rPr kumimoji="0" lang="en-US" altLang="ko-KR" sz="1600" dirty="0">
+              </a:rPr>
+              <a:t>Users\jsh\AppData\Local\Programs\Python\Python310\Lib\site-packages\matplotlib\mpl-data\fonts\ttf</a:t>
+            </a:r>
+          </a:p>
+          <a:p>
+            <a:pPr marL="1200150" lvl="2" indent="-285750" latinLnBrk="0">
+              <a:lnSpc>
+                <a:spcPct val="150000"/>
+              </a:lnSpc>
+              <a:buFont typeface="Wingdings" panose="05000000000000000000" pitchFamily="2" charset="2"/>
+              <a:buChar char="ü"/>
+            </a:pPr>
+            <a:r>
+              <a:rPr lang="en-US" altLang="ko-KR" sz="1200" dirty="0" smtClean="0">
+                <a:solidFill>
+                  <a:srgbClr val="FF0000"/>
+                </a:solidFill>
+              </a:rPr>
+              <a:t>NanumGothic.ttf </a:t>
+            </a:r>
+            <a:r>
+              <a:rPr lang="ko-KR" altLang="en-US" sz="1200" dirty="0" smtClean="0">
+                <a:solidFill>
+                  <a:srgbClr val="FF0000"/>
+                </a:solidFill>
+              </a:rPr>
+              <a:t>추가</a:t>
+            </a:r>
+            <a:endParaRPr lang="en-US" altLang="ko-KR" sz="1400" dirty="0">
+              <a:solidFill>
+                <a:schemeClr val="tx1"/>
+              </a:solidFill>
+            </a:endParaRPr>
+          </a:p>
+          <a:p>
+            <a:pPr marL="1200150" lvl="2" indent="-285750" latinLnBrk="0">
+              <a:lnSpc>
+                <a:spcPct val="150000"/>
+              </a:lnSpc>
+              <a:buFont typeface="Arial" panose="020B0604020202020204" pitchFamily="34" charset="0"/>
+              <a:buChar char="•"/>
+            </a:pPr>
+            <a:endParaRPr lang="en-US" altLang="ko-KR" sz="1400" dirty="0" smtClean="0">
+              <a:solidFill>
+                <a:schemeClr val="tx1"/>
+              </a:solidFill>
+            </a:endParaRPr>
+          </a:p>
+          <a:p>
+            <a:pPr marL="742950" lvl="1" indent="-285750" latinLnBrk="0">
+              <a:lnSpc>
+                <a:spcPct val="150000"/>
+              </a:lnSpc>
+              <a:buFont typeface="Arial" panose="020B0604020202020204" pitchFamily="34" charset="0"/>
+              <a:buChar char="•"/>
+            </a:pPr>
+            <a:r>
+              <a:rPr lang="en-US" altLang="ko-KR" sz="1400" dirty="0" smtClean="0">
                 <a:solidFill>
                   <a:schemeClr val="tx1"/>
                 </a:solidFill>
-                <a:latin typeface="+mn-ea"/>
-              </a:rPr>
-              <a:t>install </a:t>
-            </a:r>
-            <a:r>
-              <a:rPr kumimoji="0" lang="en-US" altLang="ko-KR" sz="1600" dirty="0" err="1" smtClean="0">
-                <a:solidFill>
-                  <a:schemeClr val="tx1"/>
-                </a:solidFill>
-                <a:latin typeface="+mn-ea"/>
-              </a:rPr>
-              <a:t>pyperclip</a:t>
-            </a:r>
+              </a:rPr>
+              <a:t>C:\Users\jsh\.matplotlib</a:t>
+            </a:r>
+          </a:p>
+          <a:p>
+            <a:pPr marL="1200150" lvl="2" indent="-285750" latinLnBrk="0">
+              <a:lnSpc>
+                <a:spcPct val="150000"/>
+              </a:lnSpc>
+              <a:buFont typeface="Wingdings" panose="05000000000000000000" pitchFamily="2" charset="2"/>
+              <a:buChar char="ü"/>
+            </a:pPr>
+            <a:r>
+              <a:rPr lang="ko-KR" altLang="en-US" sz="1200" dirty="0" smtClean="0">
+                <a:solidFill>
+                  <a:srgbClr val="FF0000"/>
+                </a:solidFill>
+              </a:rPr>
+              <a:t>캐시 데이터 삭제</a:t>
+            </a:r>
+            <a:endParaRPr lang="en-US" altLang="ko-KR" sz="1200" dirty="0" smtClean="0">
+              <a:solidFill>
+                <a:srgbClr val="FF0000"/>
+              </a:solidFill>
+            </a:endParaRPr>
+          </a:p>
+          <a:p>
+            <a:pPr marL="742950" lvl="1" indent="-285750" latinLnBrk="0">
+              <a:lnSpc>
+                <a:spcPct val="150000"/>
+              </a:lnSpc>
+              <a:buFont typeface="Arial" panose="020B0604020202020204" pitchFamily="34" charset="0"/>
+              <a:buChar char="•"/>
+            </a:pPr>
             <a:endParaRPr kumimoji="0" lang="en-US" altLang="ko-KR" sz="1600" dirty="0" smtClean="0">
               <a:solidFill>
                 <a:schemeClr val="tx1"/>
@@ -5577,468 +5213,12 @@
               <a:latin typeface="+mn-ea"/>
             </a:endParaRPr>
           </a:p>
-          <a:p>
-            <a:pPr marL="742950" lvl="1" indent="-285750" latinLnBrk="0">
-              <a:lnSpc>
-                <a:spcPct val="150000"/>
-              </a:lnSpc>
-              <a:buFont typeface="Arial" panose="020B0604020202020204" pitchFamily="34" charset="0"/>
-              <a:buChar char="•"/>
-            </a:pPr>
-            <a:r>
-              <a:rPr kumimoji="0" lang="en-US" altLang="ko-KR" sz="1600" dirty="0">
-                <a:solidFill>
-                  <a:schemeClr val="tx1"/>
-                </a:solidFill>
-                <a:latin typeface="+mn-ea"/>
-              </a:rPr>
-              <a:t>pip install </a:t>
-            </a:r>
-            <a:r>
-              <a:rPr kumimoji="0" lang="en-US" altLang="ko-KR" sz="1600" dirty="0" err="1" smtClean="0">
-                <a:solidFill>
-                  <a:schemeClr val="tx1"/>
-                </a:solidFill>
-                <a:latin typeface="+mn-ea"/>
-              </a:rPr>
-              <a:t>xlrd</a:t>
-            </a:r>
-            <a:endParaRPr kumimoji="0" lang="en-US" altLang="ko-KR" sz="1600" dirty="0" smtClean="0">
-              <a:solidFill>
-                <a:schemeClr val="tx1"/>
-              </a:solidFill>
-              <a:latin typeface="+mn-ea"/>
-            </a:endParaRPr>
-          </a:p>
-          <a:p>
-            <a:pPr marL="742950" lvl="1" indent="-285750" latinLnBrk="0">
-              <a:lnSpc>
-                <a:spcPct val="150000"/>
-              </a:lnSpc>
-              <a:buFont typeface="Arial" panose="020B0604020202020204" pitchFamily="34" charset="0"/>
-              <a:buChar char="•"/>
-            </a:pPr>
-            <a:r>
-              <a:rPr lang="en-US" altLang="ko-KR" sz="1600" dirty="0" smtClean="0"/>
-              <a:t>pip</a:t>
-            </a:r>
-            <a:r>
-              <a:rPr lang="en-US" altLang="ko-KR" sz="1600" dirty="0"/>
-              <a:t> install </a:t>
-            </a:r>
-            <a:r>
-              <a:rPr lang="en-US" altLang="ko-KR" sz="1600" dirty="0" err="1"/>
-              <a:t>git+https</a:t>
-            </a:r>
-            <a:r>
-              <a:rPr lang="en-US" altLang="ko-KR" sz="1600" dirty="0"/>
-              <a:t>://</a:t>
-            </a:r>
-            <a:r>
-              <a:rPr lang="en-US" altLang="ko-KR" sz="1600" dirty="0" smtClean="0"/>
-              <a:t>github.com/Joeclinton1/google-images-</a:t>
-            </a:r>
-            <a:r>
-              <a:rPr lang="en-US" altLang="ko-KR" sz="1600" dirty="0" err="1" smtClean="0"/>
-              <a:t>download.git</a:t>
-            </a:r>
-            <a:endParaRPr kumimoji="0" lang="en-US" altLang="ko-KR" sz="1600" dirty="0">
-              <a:solidFill>
-                <a:schemeClr val="tx1"/>
-              </a:solidFill>
-              <a:latin typeface="+mn-ea"/>
-            </a:endParaRPr>
-          </a:p>
-          <a:p>
-            <a:pPr marL="800100" lvl="1" indent="-342900">
-              <a:buFont typeface="Arial" panose="020B0604020202020204" pitchFamily="34" charset="0"/>
-              <a:buChar char="•"/>
-            </a:pPr>
-            <a:endParaRPr kumimoji="0" lang="en-US" altLang="ko-KR" sz="1200" dirty="0" smtClean="0">
-              <a:solidFill>
-                <a:schemeClr val="tx1"/>
-              </a:solidFill>
-              <a:latin typeface="+mn-ea"/>
-            </a:endParaRPr>
-          </a:p>
-          <a:p>
-            <a:pPr lvl="1"/>
-            <a:endParaRPr kumimoji="0" lang="en-US" altLang="ko-KR" sz="1000" dirty="0" smtClean="0">
-              <a:solidFill>
-                <a:schemeClr val="tx1"/>
-              </a:solidFill>
-              <a:latin typeface="+mn-ea"/>
-            </a:endParaRPr>
-          </a:p>
-          <a:p>
-            <a:pPr marL="800100" lvl="1" indent="-342900">
-              <a:buFont typeface="Arial" panose="020B0604020202020204" pitchFamily="34" charset="0"/>
-              <a:buChar char="•"/>
-            </a:pPr>
-            <a:endParaRPr kumimoji="0" lang="en-US" altLang="ko-KR" sz="1000" dirty="0" smtClean="0">
-              <a:solidFill>
-                <a:schemeClr val="tx1"/>
-              </a:solidFill>
-              <a:latin typeface="+mn-ea"/>
-            </a:endParaRPr>
-          </a:p>
         </p:txBody>
       </p:sp>
     </p:spTree>
     <p:extLst>
       <p:ext uri="{BB962C8B-B14F-4D97-AF65-F5344CB8AC3E}">
-        <p14:creationId xmlns:p14="http://schemas.microsoft.com/office/powerpoint/2010/main" val="1305618535"/>
-      </p:ext>
-    </p:extLst>
-  </p:cSld>
-  <p:clrMapOvr>
-    <a:masterClrMapping/>
-  </p:clrMapOvr>
-  <p:timing>
-    <p:tnLst>
-      <p:par>
-        <p:cTn id="1" dur="indefinite" restart="never" nodeType="tmRoot"/>
-      </p:par>
-    </p:tnLst>
-  </p:timing>
-</p:sld>
-</file>
-
-<file path=ppt/slides/slide9.xml><?xml version="1.0" encoding="utf-8"?>
-<p:sld xmlns:a="http://schemas.openxmlformats.org/drawingml/2006/main" xmlns:r="http://schemas.openxmlformats.org/officeDocument/2006/relationships" xmlns:p="http://schemas.openxmlformats.org/presentationml/2006/main">
-  <p:cSld>
-    <p:spTree>
-      <p:nvGrpSpPr>
-        <p:cNvPr id="1" name=""/>
-        <p:cNvGrpSpPr/>
-        <p:nvPr/>
-      </p:nvGrpSpPr>
-      <p:grpSpPr>
-        <a:xfrm>
-          <a:off x="0" y="0"/>
-          <a:ext cx="0" cy="0"/>
-          <a:chOff x="0" y="0"/>
-          <a:chExt cx="0" cy="0"/>
-        </a:xfrm>
-      </p:grpSpPr>
-      <p:sp>
-        <p:nvSpPr>
-          <p:cNvPr id="3" name="TextBox 2"/>
-          <p:cNvSpPr txBox="1"/>
-          <p:nvPr/>
-        </p:nvSpPr>
-        <p:spPr>
-          <a:xfrm>
-            <a:off x="548640" y="470346"/>
-            <a:ext cx="8055807" cy="461665"/>
-          </a:xfrm>
-          <a:prstGeom prst="rect">
-            <a:avLst/>
-          </a:prstGeom>
-          <a:noFill/>
-        </p:spPr>
-        <p:txBody>
-          <a:bodyPr wrap="square" rtlCol="0">
-            <a:spAutoFit/>
-          </a:bodyPr>
-          <a:lstStyle/>
-          <a:p>
-            <a:r>
-              <a:rPr lang="ko-KR" altLang="en-US" sz="2400" dirty="0" smtClean="0">
-                <a:latin typeface="HY헤드라인M" pitchFamily="18" charset="-127"/>
-                <a:ea typeface="HY헤드라인M" pitchFamily="18" charset="-127"/>
-              </a:rPr>
-              <a:t>웹 </a:t>
-            </a:r>
-            <a:r>
-              <a:rPr lang="ko-KR" altLang="en-US" sz="2400" dirty="0" err="1">
-                <a:latin typeface="HY헤드라인M" pitchFamily="18" charset="-127"/>
-                <a:ea typeface="HY헤드라인M" pitchFamily="18" charset="-127"/>
-              </a:rPr>
-              <a:t>크롤러</a:t>
-            </a:r>
-            <a:r>
-              <a:rPr lang="en-US" altLang="ko-KR" sz="2400" dirty="0">
-                <a:latin typeface="HY헤드라인M" pitchFamily="18" charset="-127"/>
-                <a:ea typeface="HY헤드라인M" pitchFamily="18" charset="-127"/>
-              </a:rPr>
-              <a:t>(web crawler</a:t>
-            </a:r>
-            <a:r>
-              <a:rPr lang="en-US" altLang="ko-KR" sz="2400" dirty="0" smtClean="0">
-                <a:latin typeface="HY헤드라인M" pitchFamily="18" charset="-127"/>
-                <a:ea typeface="HY헤드라인M" pitchFamily="18" charset="-127"/>
-              </a:rPr>
-              <a:t>) </a:t>
-            </a:r>
-            <a:r>
-              <a:rPr lang="ko-KR" altLang="en-US" sz="2400" dirty="0" smtClean="0">
-                <a:latin typeface="HY헤드라인M" pitchFamily="18" charset="-127"/>
-                <a:ea typeface="HY헤드라인M" pitchFamily="18" charset="-127"/>
-              </a:rPr>
-              <a:t>종류</a:t>
-            </a:r>
-            <a:endParaRPr lang="ko-KR" altLang="en-US" sz="2400" dirty="0">
-              <a:latin typeface="HY헤드라인M" pitchFamily="18" charset="-127"/>
-              <a:ea typeface="HY헤드라인M" pitchFamily="18" charset="-127"/>
-            </a:endParaRPr>
-          </a:p>
-        </p:txBody>
-      </p:sp>
-      <p:pic>
-        <p:nvPicPr>
-          <p:cNvPr id="2" name="그림 1"/>
-          <p:cNvPicPr>
-            <a:picLocks noChangeAspect="1"/>
-          </p:cNvPicPr>
-          <p:nvPr/>
-        </p:nvPicPr>
-        <p:blipFill>
-          <a:blip r:embed="rId2" cstate="print">
-            <a:extLst>
-              <a:ext uri="{28A0092B-C50C-407E-A947-70E740481C1C}">
-                <a14:useLocalDpi xmlns:a14="http://schemas.microsoft.com/office/drawing/2010/main" val="0"/>
-              </a:ext>
-            </a:extLst>
-          </a:blip>
-          <a:stretch>
-            <a:fillRect/>
-          </a:stretch>
-        </p:blipFill>
-        <p:spPr>
-          <a:xfrm>
-            <a:off x="7596744" y="2925352"/>
-            <a:ext cx="71600" cy="71600"/>
-          </a:xfrm>
-          <a:prstGeom prst="rect">
-            <a:avLst/>
-          </a:prstGeom>
-        </p:spPr>
-      </p:pic>
-      <p:sp>
-        <p:nvSpPr>
-          <p:cNvPr id="5" name="모서리가 둥근 직사각형 4"/>
-          <p:cNvSpPr/>
-          <p:nvPr/>
-        </p:nvSpPr>
-        <p:spPr>
-          <a:xfrm>
-            <a:off x="439982" y="1251508"/>
-            <a:ext cx="8164465" cy="5345844"/>
-          </a:xfrm>
-          <a:prstGeom prst="roundRect">
-            <a:avLst>
-              <a:gd name="adj" fmla="val 8134"/>
-            </a:avLst>
-          </a:prstGeom>
-          <a:ln/>
-        </p:spPr>
-        <p:style>
-          <a:lnRef idx="2">
-            <a:schemeClr val="accent1"/>
-          </a:lnRef>
-          <a:fillRef idx="1">
-            <a:schemeClr val="lt1"/>
-          </a:fillRef>
-          <a:effectRef idx="0">
-            <a:schemeClr val="accent1"/>
-          </a:effectRef>
-          <a:fontRef idx="minor">
-            <a:schemeClr val="dk1"/>
-          </a:fontRef>
-        </p:style>
-        <p:txBody>
-          <a:bodyPr rtlCol="0" anchor="t"/>
-          <a:lstStyle/>
-          <a:p>
-            <a:pPr marL="285750" indent="-285750">
-              <a:lnSpc>
-                <a:spcPct val="150000"/>
-              </a:lnSpc>
-              <a:buFont typeface="Wingdings" panose="05000000000000000000" pitchFamily="2" charset="2"/>
-              <a:buChar char="Ø"/>
-            </a:pPr>
-            <a:r>
-              <a:rPr lang="ko-KR" altLang="en-US" sz="2000" dirty="0" smtClean="0">
-                <a:solidFill>
-                  <a:srgbClr val="0000FF"/>
-                </a:solidFill>
-                <a:latin typeface="+mn-ea"/>
-              </a:rPr>
-              <a:t>종류</a:t>
-            </a:r>
-            <a:endParaRPr lang="en-US" altLang="ko-KR" sz="2000" dirty="0">
-              <a:solidFill>
-                <a:srgbClr val="0000FF"/>
-              </a:solidFill>
-              <a:latin typeface="+mn-ea"/>
-            </a:endParaRPr>
-          </a:p>
-          <a:p>
-            <a:pPr marL="742950" lvl="1" indent="-285750" latinLnBrk="0">
-              <a:lnSpc>
-                <a:spcPct val="150000"/>
-              </a:lnSpc>
-              <a:buFont typeface="Arial" panose="020B0604020202020204" pitchFamily="34" charset="0"/>
-              <a:buChar char="•"/>
-            </a:pPr>
-            <a:r>
-              <a:rPr kumimoji="0" lang="en-US" altLang="ko-KR" sz="1600" dirty="0" err="1" smtClean="0">
-                <a:solidFill>
-                  <a:schemeClr val="tx1"/>
-                </a:solidFill>
-                <a:latin typeface="+mn-ea"/>
-              </a:rPr>
-              <a:t>Naver</a:t>
-            </a:r>
-            <a:r>
-              <a:rPr kumimoji="0" lang="en-US" altLang="ko-KR" sz="1600" dirty="0" smtClean="0">
-                <a:solidFill>
-                  <a:schemeClr val="tx1"/>
-                </a:solidFill>
-                <a:latin typeface="+mn-ea"/>
-              </a:rPr>
-              <a:t> : Yeti (User-Agent)</a:t>
-            </a:r>
-            <a:endParaRPr kumimoji="0" lang="en-US" altLang="ko-KR" sz="1600" dirty="0">
-              <a:solidFill>
-                <a:schemeClr val="tx1"/>
-              </a:solidFill>
-              <a:latin typeface="+mn-ea"/>
-            </a:endParaRPr>
-          </a:p>
-          <a:p>
-            <a:pPr marL="800100" lvl="1" indent="-342900">
-              <a:buFont typeface="Arial" panose="020B0604020202020204" pitchFamily="34" charset="0"/>
-              <a:buChar char="•"/>
-            </a:pPr>
-            <a:endParaRPr kumimoji="0" lang="en-US" altLang="ko-KR" sz="1000" dirty="0">
-              <a:solidFill>
-                <a:schemeClr val="tx1"/>
-              </a:solidFill>
-              <a:latin typeface="+mn-ea"/>
-            </a:endParaRPr>
-          </a:p>
-          <a:p>
-            <a:pPr marL="285750" indent="-285750">
-              <a:lnSpc>
-                <a:spcPct val="150000"/>
-              </a:lnSpc>
-              <a:buFont typeface="Wingdings" panose="05000000000000000000" pitchFamily="2" charset="2"/>
-              <a:buChar char="Ø"/>
-            </a:pPr>
-            <a:endParaRPr lang="en-US" altLang="ko-KR" sz="2000" dirty="0" smtClean="0">
-              <a:solidFill>
-                <a:srgbClr val="0000FF"/>
-              </a:solidFill>
-              <a:latin typeface="+mn-ea"/>
-            </a:endParaRPr>
-          </a:p>
-          <a:p>
-            <a:pPr marL="285750" indent="-285750">
-              <a:lnSpc>
-                <a:spcPct val="150000"/>
-              </a:lnSpc>
-              <a:buFont typeface="Wingdings" panose="05000000000000000000" pitchFamily="2" charset="2"/>
-              <a:buChar char="Ø"/>
-            </a:pPr>
-            <a:r>
-              <a:rPr lang="en-US" altLang="ko-KR" sz="2000" dirty="0" smtClean="0">
-                <a:solidFill>
-                  <a:srgbClr val="0000FF"/>
-                </a:solidFill>
-                <a:latin typeface="+mn-ea"/>
-              </a:rPr>
-              <a:t>robots.txt</a:t>
-            </a:r>
-            <a:endParaRPr lang="en-US" altLang="ko-KR" sz="2000" dirty="0">
-              <a:solidFill>
-                <a:srgbClr val="0000FF"/>
-              </a:solidFill>
-              <a:latin typeface="+mn-ea"/>
-            </a:endParaRPr>
-          </a:p>
-          <a:p>
-            <a:pPr marL="742950" lvl="1" indent="-285750" latinLnBrk="0">
-              <a:lnSpc>
-                <a:spcPct val="150000"/>
-              </a:lnSpc>
-              <a:buFont typeface="Arial" panose="020B0604020202020204" pitchFamily="34" charset="0"/>
-              <a:buChar char="•"/>
-            </a:pPr>
-            <a:r>
-              <a:rPr kumimoji="0" lang="ko-KR" altLang="en-US" sz="1600" dirty="0">
-                <a:solidFill>
-                  <a:schemeClr val="tx1"/>
-                </a:solidFill>
-                <a:latin typeface="+mn-ea"/>
-              </a:rPr>
-              <a:t>웹 </a:t>
-            </a:r>
-            <a:r>
-              <a:rPr kumimoji="0" lang="ko-KR" altLang="en-US" sz="1600" dirty="0" err="1">
-                <a:solidFill>
-                  <a:schemeClr val="tx1"/>
-                </a:solidFill>
-                <a:latin typeface="+mn-ea"/>
-              </a:rPr>
-              <a:t>크롤러</a:t>
-            </a:r>
-            <a:r>
-              <a:rPr kumimoji="0" lang="en-US" altLang="ko-KR" sz="1600" dirty="0">
-                <a:solidFill>
-                  <a:schemeClr val="tx1"/>
-                </a:solidFill>
-                <a:latin typeface="+mn-ea"/>
-              </a:rPr>
-              <a:t>(web crawler</a:t>
-            </a:r>
-            <a:r>
-              <a:rPr kumimoji="0" lang="en-US" altLang="ko-KR" sz="1600" dirty="0" smtClean="0">
-                <a:solidFill>
-                  <a:schemeClr val="tx1"/>
-                </a:solidFill>
-                <a:latin typeface="+mn-ea"/>
-              </a:rPr>
-              <a:t>)</a:t>
-            </a:r>
-            <a:r>
-              <a:rPr kumimoji="0" lang="ko-KR" altLang="en-US" sz="1600" dirty="0" smtClean="0">
-                <a:solidFill>
-                  <a:schemeClr val="tx1"/>
-                </a:solidFill>
-                <a:latin typeface="+mn-ea"/>
-              </a:rPr>
-              <a:t>가 웹사이트에서 가장 먼저 방문하는 파일이다</a:t>
-            </a:r>
-            <a:r>
-              <a:rPr kumimoji="0" lang="en-US" altLang="ko-KR" sz="1600" dirty="0" smtClean="0">
-                <a:solidFill>
-                  <a:schemeClr val="tx1"/>
-                </a:solidFill>
-                <a:latin typeface="+mn-ea"/>
-              </a:rPr>
-              <a:t>.</a:t>
-            </a:r>
-          </a:p>
-          <a:p>
-            <a:pPr marL="800100" lvl="1" indent="-342900">
-              <a:buFont typeface="Arial" panose="020B0604020202020204" pitchFamily="34" charset="0"/>
-              <a:buChar char="•"/>
-            </a:pPr>
-            <a:endParaRPr kumimoji="0" lang="en-US" altLang="ko-KR" sz="1000" dirty="0" smtClean="0">
-              <a:solidFill>
-                <a:schemeClr val="tx1"/>
-              </a:solidFill>
-              <a:latin typeface="+mn-ea"/>
-            </a:endParaRPr>
-          </a:p>
-        </p:txBody>
-      </p:sp>
-    </p:spTree>
-    <p:extLst>
-      <p:ext uri="{BB962C8B-B14F-4D97-AF65-F5344CB8AC3E}">
-        <p14:creationId xmlns:p14="http://schemas.microsoft.com/office/powerpoint/2010/main" val="1540633045"/>
+        <p14:creationId xmlns:p14="http://schemas.microsoft.com/office/powerpoint/2010/main" val="1543645537"/>
       </p:ext>
     </p:extLst>
   </p:cSld>
